--- a/docs/diagrams/UndoRedoNewCommand1StackDiagram.pptx
+++ b/docs/diagrams/UndoRedoNewCommand1StackDiagram.pptx
@@ -138,7 +138,7 @@
           <p:cNvPr id="2" name="Title 1">
             <a:extLst>
               <a:ext uri="{FF2B5EF4-FFF2-40B4-BE49-F238E27FC236}">
-                <a16:creationId xmlns:a16="http://schemas.microsoft.com/office/drawing/2014/main" id="{39FCC519-EE2E-4054-A653-93D611E0133E}"/>
+                <a16:creationId xmlns="" xmlns:a16="http://schemas.microsoft.com/office/drawing/2014/main" id="{39FCC519-EE2E-4054-A653-93D611E0133E}"/>
               </a:ext>
             </a:extLst>
           </p:cNvPr>
@@ -176,7 +176,7 @@
           <p:cNvPr id="3" name="Subtitle 2">
             <a:extLst>
               <a:ext uri="{FF2B5EF4-FFF2-40B4-BE49-F238E27FC236}">
-                <a16:creationId xmlns:a16="http://schemas.microsoft.com/office/drawing/2014/main" id="{3EDEA74E-4030-4F69-A055-4C6319EEEC29}"/>
+                <a16:creationId xmlns="" xmlns:a16="http://schemas.microsoft.com/office/drawing/2014/main" id="{3EDEA74E-4030-4F69-A055-4C6319EEEC29}"/>
               </a:ext>
             </a:extLst>
           </p:cNvPr>
@@ -247,7 +247,7 @@
           <p:cNvPr id="4" name="Date Placeholder 3">
             <a:extLst>
               <a:ext uri="{FF2B5EF4-FFF2-40B4-BE49-F238E27FC236}">
-                <a16:creationId xmlns:a16="http://schemas.microsoft.com/office/drawing/2014/main" id="{E5CC99E3-37A6-4485-B9A2-AF27A72608C6}"/>
+                <a16:creationId xmlns="" xmlns:a16="http://schemas.microsoft.com/office/drawing/2014/main" id="{E5CC99E3-37A6-4485-B9A2-AF27A72608C6}"/>
               </a:ext>
             </a:extLst>
           </p:cNvPr>
@@ -265,7 +265,7 @@
           <a:p>
             <a:fld id="{03EC4E3E-8101-482F-A883-8B55DAFF7C07}" type="datetimeFigureOut">
               <a:rPr lang="en-SG" smtClean="0"/>
-              <a:t>30/7/2017</a:t>
+              <a:t>22/10/17</a:t>
             </a:fld>
             <a:endParaRPr lang="en-SG"/>
           </a:p>
@@ -276,7 +276,7 @@
           <p:cNvPr id="5" name="Footer Placeholder 4">
             <a:extLst>
               <a:ext uri="{FF2B5EF4-FFF2-40B4-BE49-F238E27FC236}">
-                <a16:creationId xmlns:a16="http://schemas.microsoft.com/office/drawing/2014/main" id="{D75BD546-D949-4A25-8EA4-47DF23229409}"/>
+                <a16:creationId xmlns="" xmlns:a16="http://schemas.microsoft.com/office/drawing/2014/main" id="{D75BD546-D949-4A25-8EA4-47DF23229409}"/>
               </a:ext>
             </a:extLst>
           </p:cNvPr>
@@ -301,7 +301,7 @@
           <p:cNvPr id="6" name="Slide Number Placeholder 5">
             <a:extLst>
               <a:ext uri="{FF2B5EF4-FFF2-40B4-BE49-F238E27FC236}">
-                <a16:creationId xmlns:a16="http://schemas.microsoft.com/office/drawing/2014/main" id="{68147391-4DF6-4ACF-BCE9-C1A9DAC803E3}"/>
+                <a16:creationId xmlns="" xmlns:a16="http://schemas.microsoft.com/office/drawing/2014/main" id="{68147391-4DF6-4ACF-BCE9-C1A9DAC803E3}"/>
               </a:ext>
             </a:extLst>
           </p:cNvPr>
@@ -360,7 +360,7 @@
           <p:cNvPr id="2" name="Title 1">
             <a:extLst>
               <a:ext uri="{FF2B5EF4-FFF2-40B4-BE49-F238E27FC236}">
-                <a16:creationId xmlns:a16="http://schemas.microsoft.com/office/drawing/2014/main" id="{251D3DFE-0C62-45F5-B1BF-FD1F194ED112}"/>
+                <a16:creationId xmlns="" xmlns:a16="http://schemas.microsoft.com/office/drawing/2014/main" id="{251D3DFE-0C62-45F5-B1BF-FD1F194ED112}"/>
               </a:ext>
             </a:extLst>
           </p:cNvPr>
@@ -389,7 +389,7 @@
           <p:cNvPr id="3" name="Vertical Text Placeholder 2">
             <a:extLst>
               <a:ext uri="{FF2B5EF4-FFF2-40B4-BE49-F238E27FC236}">
-                <a16:creationId xmlns:a16="http://schemas.microsoft.com/office/drawing/2014/main" id="{D2392762-3586-4B6D-A174-2D3ACF0A125B}"/>
+                <a16:creationId xmlns="" xmlns:a16="http://schemas.microsoft.com/office/drawing/2014/main" id="{D2392762-3586-4B6D-A174-2D3ACF0A125B}"/>
               </a:ext>
             </a:extLst>
           </p:cNvPr>
@@ -447,7 +447,7 @@
           <p:cNvPr id="4" name="Date Placeholder 3">
             <a:extLst>
               <a:ext uri="{FF2B5EF4-FFF2-40B4-BE49-F238E27FC236}">
-                <a16:creationId xmlns:a16="http://schemas.microsoft.com/office/drawing/2014/main" id="{73B232E7-84FB-4535-9FC1-1BEF8F17421F}"/>
+                <a16:creationId xmlns="" xmlns:a16="http://schemas.microsoft.com/office/drawing/2014/main" id="{73B232E7-84FB-4535-9FC1-1BEF8F17421F}"/>
               </a:ext>
             </a:extLst>
           </p:cNvPr>
@@ -465,7 +465,7 @@
           <a:p>
             <a:fld id="{03EC4E3E-8101-482F-A883-8B55DAFF7C07}" type="datetimeFigureOut">
               <a:rPr lang="en-SG" smtClean="0"/>
-              <a:t>30/7/2017</a:t>
+              <a:t>22/10/17</a:t>
             </a:fld>
             <a:endParaRPr lang="en-SG"/>
           </a:p>
@@ -476,7 +476,7 @@
           <p:cNvPr id="5" name="Footer Placeholder 4">
             <a:extLst>
               <a:ext uri="{FF2B5EF4-FFF2-40B4-BE49-F238E27FC236}">
-                <a16:creationId xmlns:a16="http://schemas.microsoft.com/office/drawing/2014/main" id="{76F796EF-04EF-401A-AC84-F7BDBC99DE80}"/>
+                <a16:creationId xmlns="" xmlns:a16="http://schemas.microsoft.com/office/drawing/2014/main" id="{76F796EF-04EF-401A-AC84-F7BDBC99DE80}"/>
               </a:ext>
             </a:extLst>
           </p:cNvPr>
@@ -501,7 +501,7 @@
           <p:cNvPr id="6" name="Slide Number Placeholder 5">
             <a:extLst>
               <a:ext uri="{FF2B5EF4-FFF2-40B4-BE49-F238E27FC236}">
-                <a16:creationId xmlns:a16="http://schemas.microsoft.com/office/drawing/2014/main" id="{8F55F009-0A64-4649-A732-4AA6D619F1F3}"/>
+                <a16:creationId xmlns="" xmlns:a16="http://schemas.microsoft.com/office/drawing/2014/main" id="{8F55F009-0A64-4649-A732-4AA6D619F1F3}"/>
               </a:ext>
             </a:extLst>
           </p:cNvPr>
@@ -560,7 +560,7 @@
           <p:cNvPr id="2" name="Vertical Title 1">
             <a:extLst>
               <a:ext uri="{FF2B5EF4-FFF2-40B4-BE49-F238E27FC236}">
-                <a16:creationId xmlns:a16="http://schemas.microsoft.com/office/drawing/2014/main" id="{F7DE9595-D7A8-4E19-B4C6-E295F978F6A4}"/>
+                <a16:creationId xmlns="" xmlns:a16="http://schemas.microsoft.com/office/drawing/2014/main" id="{F7DE9595-D7A8-4E19-B4C6-E295F978F6A4}"/>
               </a:ext>
             </a:extLst>
           </p:cNvPr>
@@ -594,7 +594,7 @@
           <p:cNvPr id="3" name="Vertical Text Placeholder 2">
             <a:extLst>
               <a:ext uri="{FF2B5EF4-FFF2-40B4-BE49-F238E27FC236}">
-                <a16:creationId xmlns:a16="http://schemas.microsoft.com/office/drawing/2014/main" id="{0D2975B7-7A6D-40EA-B2F6-338022AD2BF1}"/>
+                <a16:creationId xmlns="" xmlns:a16="http://schemas.microsoft.com/office/drawing/2014/main" id="{0D2975B7-7A6D-40EA-B2F6-338022AD2BF1}"/>
               </a:ext>
             </a:extLst>
           </p:cNvPr>
@@ -657,7 +657,7 @@
           <p:cNvPr id="4" name="Date Placeholder 3">
             <a:extLst>
               <a:ext uri="{FF2B5EF4-FFF2-40B4-BE49-F238E27FC236}">
-                <a16:creationId xmlns:a16="http://schemas.microsoft.com/office/drawing/2014/main" id="{C8230AC3-1BED-4D2B-96D3-51C50E14A9E6}"/>
+                <a16:creationId xmlns="" xmlns:a16="http://schemas.microsoft.com/office/drawing/2014/main" id="{C8230AC3-1BED-4D2B-96D3-51C50E14A9E6}"/>
               </a:ext>
             </a:extLst>
           </p:cNvPr>
@@ -675,7 +675,7 @@
           <a:p>
             <a:fld id="{03EC4E3E-8101-482F-A883-8B55DAFF7C07}" type="datetimeFigureOut">
               <a:rPr lang="en-SG" smtClean="0"/>
-              <a:t>30/7/2017</a:t>
+              <a:t>22/10/17</a:t>
             </a:fld>
             <a:endParaRPr lang="en-SG"/>
           </a:p>
@@ -686,7 +686,7 @@
           <p:cNvPr id="5" name="Footer Placeholder 4">
             <a:extLst>
               <a:ext uri="{FF2B5EF4-FFF2-40B4-BE49-F238E27FC236}">
-                <a16:creationId xmlns:a16="http://schemas.microsoft.com/office/drawing/2014/main" id="{4AD6CA96-231A-43AD-B530-7C509651DE3B}"/>
+                <a16:creationId xmlns="" xmlns:a16="http://schemas.microsoft.com/office/drawing/2014/main" id="{4AD6CA96-231A-43AD-B530-7C509651DE3B}"/>
               </a:ext>
             </a:extLst>
           </p:cNvPr>
@@ -711,7 +711,7 @@
           <p:cNvPr id="6" name="Slide Number Placeholder 5">
             <a:extLst>
               <a:ext uri="{FF2B5EF4-FFF2-40B4-BE49-F238E27FC236}">
-                <a16:creationId xmlns:a16="http://schemas.microsoft.com/office/drawing/2014/main" id="{12063E3B-180A-454E-A661-6CCD48D7062C}"/>
+                <a16:creationId xmlns="" xmlns:a16="http://schemas.microsoft.com/office/drawing/2014/main" id="{12063E3B-180A-454E-A661-6CCD48D7062C}"/>
               </a:ext>
             </a:extLst>
           </p:cNvPr>
@@ -770,7 +770,7 @@
           <p:cNvPr id="2" name="Title 1">
             <a:extLst>
               <a:ext uri="{FF2B5EF4-FFF2-40B4-BE49-F238E27FC236}">
-                <a16:creationId xmlns:a16="http://schemas.microsoft.com/office/drawing/2014/main" id="{7E861C8D-BAF0-4DD9-92B9-591B272791CA}"/>
+                <a16:creationId xmlns="" xmlns:a16="http://schemas.microsoft.com/office/drawing/2014/main" id="{7E861C8D-BAF0-4DD9-92B9-591B272791CA}"/>
               </a:ext>
             </a:extLst>
           </p:cNvPr>
@@ -799,7 +799,7 @@
           <p:cNvPr id="3" name="Content Placeholder 2">
             <a:extLst>
               <a:ext uri="{FF2B5EF4-FFF2-40B4-BE49-F238E27FC236}">
-                <a16:creationId xmlns:a16="http://schemas.microsoft.com/office/drawing/2014/main" id="{534DA4BD-1D78-446B-B79F-C1229642DDEB}"/>
+                <a16:creationId xmlns="" xmlns:a16="http://schemas.microsoft.com/office/drawing/2014/main" id="{534DA4BD-1D78-446B-B79F-C1229642DDEB}"/>
               </a:ext>
             </a:extLst>
           </p:cNvPr>
@@ -857,7 +857,7 @@
           <p:cNvPr id="4" name="Date Placeholder 3">
             <a:extLst>
               <a:ext uri="{FF2B5EF4-FFF2-40B4-BE49-F238E27FC236}">
-                <a16:creationId xmlns:a16="http://schemas.microsoft.com/office/drawing/2014/main" id="{AD6BEDB5-7B62-4953-BECB-7F7F3E909CAC}"/>
+                <a16:creationId xmlns="" xmlns:a16="http://schemas.microsoft.com/office/drawing/2014/main" id="{AD6BEDB5-7B62-4953-BECB-7F7F3E909CAC}"/>
               </a:ext>
             </a:extLst>
           </p:cNvPr>
@@ -875,7 +875,7 @@
           <a:p>
             <a:fld id="{03EC4E3E-8101-482F-A883-8B55DAFF7C07}" type="datetimeFigureOut">
               <a:rPr lang="en-SG" smtClean="0"/>
-              <a:t>30/7/2017</a:t>
+              <a:t>22/10/17</a:t>
             </a:fld>
             <a:endParaRPr lang="en-SG"/>
           </a:p>
@@ -886,7 +886,7 @@
           <p:cNvPr id="5" name="Footer Placeholder 4">
             <a:extLst>
               <a:ext uri="{FF2B5EF4-FFF2-40B4-BE49-F238E27FC236}">
-                <a16:creationId xmlns:a16="http://schemas.microsoft.com/office/drawing/2014/main" id="{349CD732-2DD1-42BE-8480-5C6507018294}"/>
+                <a16:creationId xmlns="" xmlns:a16="http://schemas.microsoft.com/office/drawing/2014/main" id="{349CD732-2DD1-42BE-8480-5C6507018294}"/>
               </a:ext>
             </a:extLst>
           </p:cNvPr>
@@ -911,7 +911,7 @@
           <p:cNvPr id="6" name="Slide Number Placeholder 5">
             <a:extLst>
               <a:ext uri="{FF2B5EF4-FFF2-40B4-BE49-F238E27FC236}">
-                <a16:creationId xmlns:a16="http://schemas.microsoft.com/office/drawing/2014/main" id="{574C27E0-F36A-4438-9402-C2CB0377D92D}"/>
+                <a16:creationId xmlns="" xmlns:a16="http://schemas.microsoft.com/office/drawing/2014/main" id="{574C27E0-F36A-4438-9402-C2CB0377D92D}"/>
               </a:ext>
             </a:extLst>
           </p:cNvPr>
@@ -970,7 +970,7 @@
           <p:cNvPr id="2" name="Title 1">
             <a:extLst>
               <a:ext uri="{FF2B5EF4-FFF2-40B4-BE49-F238E27FC236}">
-                <a16:creationId xmlns:a16="http://schemas.microsoft.com/office/drawing/2014/main" id="{80A42FFA-8A45-40F8-9C5C-9906971B38AB}"/>
+                <a16:creationId xmlns="" xmlns:a16="http://schemas.microsoft.com/office/drawing/2014/main" id="{80A42FFA-8A45-40F8-9C5C-9906971B38AB}"/>
               </a:ext>
             </a:extLst>
           </p:cNvPr>
@@ -1008,7 +1008,7 @@
           <p:cNvPr id="3" name="Text Placeholder 2">
             <a:extLst>
               <a:ext uri="{FF2B5EF4-FFF2-40B4-BE49-F238E27FC236}">
-                <a16:creationId xmlns:a16="http://schemas.microsoft.com/office/drawing/2014/main" id="{7D8879A7-8225-4473-B738-B780B6224EC5}"/>
+                <a16:creationId xmlns="" xmlns:a16="http://schemas.microsoft.com/office/drawing/2014/main" id="{7D8879A7-8225-4473-B738-B780B6224EC5}"/>
               </a:ext>
             </a:extLst>
           </p:cNvPr>
@@ -1133,7 +1133,7 @@
           <p:cNvPr id="4" name="Date Placeholder 3">
             <a:extLst>
               <a:ext uri="{FF2B5EF4-FFF2-40B4-BE49-F238E27FC236}">
-                <a16:creationId xmlns:a16="http://schemas.microsoft.com/office/drawing/2014/main" id="{6CF7978C-FE65-4091-9152-E33029C12AEA}"/>
+                <a16:creationId xmlns="" xmlns:a16="http://schemas.microsoft.com/office/drawing/2014/main" id="{6CF7978C-FE65-4091-9152-E33029C12AEA}"/>
               </a:ext>
             </a:extLst>
           </p:cNvPr>
@@ -1151,7 +1151,7 @@
           <a:p>
             <a:fld id="{03EC4E3E-8101-482F-A883-8B55DAFF7C07}" type="datetimeFigureOut">
               <a:rPr lang="en-SG" smtClean="0"/>
-              <a:t>30/7/2017</a:t>
+              <a:t>22/10/17</a:t>
             </a:fld>
             <a:endParaRPr lang="en-SG"/>
           </a:p>
@@ -1162,7 +1162,7 @@
           <p:cNvPr id="5" name="Footer Placeholder 4">
             <a:extLst>
               <a:ext uri="{FF2B5EF4-FFF2-40B4-BE49-F238E27FC236}">
-                <a16:creationId xmlns:a16="http://schemas.microsoft.com/office/drawing/2014/main" id="{B344C9CC-480F-4DCB-AC70-D7A4CCA0B8B7}"/>
+                <a16:creationId xmlns="" xmlns:a16="http://schemas.microsoft.com/office/drawing/2014/main" id="{B344C9CC-480F-4DCB-AC70-D7A4CCA0B8B7}"/>
               </a:ext>
             </a:extLst>
           </p:cNvPr>
@@ -1187,7 +1187,7 @@
           <p:cNvPr id="6" name="Slide Number Placeholder 5">
             <a:extLst>
               <a:ext uri="{FF2B5EF4-FFF2-40B4-BE49-F238E27FC236}">
-                <a16:creationId xmlns:a16="http://schemas.microsoft.com/office/drawing/2014/main" id="{8F5A07EC-843A-4ED9-8F1C-AD703CA36D58}"/>
+                <a16:creationId xmlns="" xmlns:a16="http://schemas.microsoft.com/office/drawing/2014/main" id="{8F5A07EC-843A-4ED9-8F1C-AD703CA36D58}"/>
               </a:ext>
             </a:extLst>
           </p:cNvPr>
@@ -1246,7 +1246,7 @@
           <p:cNvPr id="2" name="Title 1">
             <a:extLst>
               <a:ext uri="{FF2B5EF4-FFF2-40B4-BE49-F238E27FC236}">
-                <a16:creationId xmlns:a16="http://schemas.microsoft.com/office/drawing/2014/main" id="{056EE2DA-07D9-4774-A8CA-0CA247F8C72A}"/>
+                <a16:creationId xmlns="" xmlns:a16="http://schemas.microsoft.com/office/drawing/2014/main" id="{056EE2DA-07D9-4774-A8CA-0CA247F8C72A}"/>
               </a:ext>
             </a:extLst>
           </p:cNvPr>
@@ -1275,7 +1275,7 @@
           <p:cNvPr id="3" name="Content Placeholder 2">
             <a:extLst>
               <a:ext uri="{FF2B5EF4-FFF2-40B4-BE49-F238E27FC236}">
-                <a16:creationId xmlns:a16="http://schemas.microsoft.com/office/drawing/2014/main" id="{3CF93A59-4E25-4FFA-8796-AA06EF3E5C3E}"/>
+                <a16:creationId xmlns="" xmlns:a16="http://schemas.microsoft.com/office/drawing/2014/main" id="{3CF93A59-4E25-4FFA-8796-AA06EF3E5C3E}"/>
               </a:ext>
             </a:extLst>
           </p:cNvPr>
@@ -1338,7 +1338,7 @@
           <p:cNvPr id="4" name="Content Placeholder 3">
             <a:extLst>
               <a:ext uri="{FF2B5EF4-FFF2-40B4-BE49-F238E27FC236}">
-                <a16:creationId xmlns:a16="http://schemas.microsoft.com/office/drawing/2014/main" id="{81373B10-E346-4893-AFEE-65E014405E2D}"/>
+                <a16:creationId xmlns="" xmlns:a16="http://schemas.microsoft.com/office/drawing/2014/main" id="{81373B10-E346-4893-AFEE-65E014405E2D}"/>
               </a:ext>
             </a:extLst>
           </p:cNvPr>
@@ -1401,7 +1401,7 @@
           <p:cNvPr id="5" name="Date Placeholder 4">
             <a:extLst>
               <a:ext uri="{FF2B5EF4-FFF2-40B4-BE49-F238E27FC236}">
-                <a16:creationId xmlns:a16="http://schemas.microsoft.com/office/drawing/2014/main" id="{D9C411A1-6D64-4C63-A758-5D2FEE677F45}"/>
+                <a16:creationId xmlns="" xmlns:a16="http://schemas.microsoft.com/office/drawing/2014/main" id="{D9C411A1-6D64-4C63-A758-5D2FEE677F45}"/>
               </a:ext>
             </a:extLst>
           </p:cNvPr>
@@ -1419,7 +1419,7 @@
           <a:p>
             <a:fld id="{03EC4E3E-8101-482F-A883-8B55DAFF7C07}" type="datetimeFigureOut">
               <a:rPr lang="en-SG" smtClean="0"/>
-              <a:t>30/7/2017</a:t>
+              <a:t>22/10/17</a:t>
             </a:fld>
             <a:endParaRPr lang="en-SG"/>
           </a:p>
@@ -1430,7 +1430,7 @@
           <p:cNvPr id="6" name="Footer Placeholder 5">
             <a:extLst>
               <a:ext uri="{FF2B5EF4-FFF2-40B4-BE49-F238E27FC236}">
-                <a16:creationId xmlns:a16="http://schemas.microsoft.com/office/drawing/2014/main" id="{8D9C2E46-644C-4155-A697-764A7A0AB1F4}"/>
+                <a16:creationId xmlns="" xmlns:a16="http://schemas.microsoft.com/office/drawing/2014/main" id="{8D9C2E46-644C-4155-A697-764A7A0AB1F4}"/>
               </a:ext>
             </a:extLst>
           </p:cNvPr>
@@ -1455,7 +1455,7 @@
           <p:cNvPr id="7" name="Slide Number Placeholder 6">
             <a:extLst>
               <a:ext uri="{FF2B5EF4-FFF2-40B4-BE49-F238E27FC236}">
-                <a16:creationId xmlns:a16="http://schemas.microsoft.com/office/drawing/2014/main" id="{6192DEDD-6479-45E4-B1F5-6EDD41BBB103}"/>
+                <a16:creationId xmlns="" xmlns:a16="http://schemas.microsoft.com/office/drawing/2014/main" id="{6192DEDD-6479-45E4-B1F5-6EDD41BBB103}"/>
               </a:ext>
             </a:extLst>
           </p:cNvPr>
@@ -1514,7 +1514,7 @@
           <p:cNvPr id="2" name="Title 1">
             <a:extLst>
               <a:ext uri="{FF2B5EF4-FFF2-40B4-BE49-F238E27FC236}">
-                <a16:creationId xmlns:a16="http://schemas.microsoft.com/office/drawing/2014/main" id="{DC0ED888-63EF-4CC0-8500-9C8DB672FEC2}"/>
+                <a16:creationId xmlns="" xmlns:a16="http://schemas.microsoft.com/office/drawing/2014/main" id="{DC0ED888-63EF-4CC0-8500-9C8DB672FEC2}"/>
               </a:ext>
             </a:extLst>
           </p:cNvPr>
@@ -1548,7 +1548,7 @@
           <p:cNvPr id="3" name="Text Placeholder 2">
             <a:extLst>
               <a:ext uri="{FF2B5EF4-FFF2-40B4-BE49-F238E27FC236}">
-                <a16:creationId xmlns:a16="http://schemas.microsoft.com/office/drawing/2014/main" id="{3C33BC1E-FB79-4906-A967-9C7046C6D272}"/>
+                <a16:creationId xmlns="" xmlns:a16="http://schemas.microsoft.com/office/drawing/2014/main" id="{3C33BC1E-FB79-4906-A967-9C7046C6D272}"/>
               </a:ext>
             </a:extLst>
           </p:cNvPr>
@@ -1619,7 +1619,7 @@
           <p:cNvPr id="4" name="Content Placeholder 3">
             <a:extLst>
               <a:ext uri="{FF2B5EF4-FFF2-40B4-BE49-F238E27FC236}">
-                <a16:creationId xmlns:a16="http://schemas.microsoft.com/office/drawing/2014/main" id="{697A4EC6-1C42-4BA4-8108-32579276C17B}"/>
+                <a16:creationId xmlns="" xmlns:a16="http://schemas.microsoft.com/office/drawing/2014/main" id="{697A4EC6-1C42-4BA4-8108-32579276C17B}"/>
               </a:ext>
             </a:extLst>
           </p:cNvPr>
@@ -1682,7 +1682,7 @@
           <p:cNvPr id="5" name="Text Placeholder 4">
             <a:extLst>
               <a:ext uri="{FF2B5EF4-FFF2-40B4-BE49-F238E27FC236}">
-                <a16:creationId xmlns:a16="http://schemas.microsoft.com/office/drawing/2014/main" id="{8A2CA209-B9F5-4E1E-B302-74CC2D4CFDFB}"/>
+                <a16:creationId xmlns="" xmlns:a16="http://schemas.microsoft.com/office/drawing/2014/main" id="{8A2CA209-B9F5-4E1E-B302-74CC2D4CFDFB}"/>
               </a:ext>
             </a:extLst>
           </p:cNvPr>
@@ -1753,7 +1753,7 @@
           <p:cNvPr id="6" name="Content Placeholder 5">
             <a:extLst>
               <a:ext uri="{FF2B5EF4-FFF2-40B4-BE49-F238E27FC236}">
-                <a16:creationId xmlns:a16="http://schemas.microsoft.com/office/drawing/2014/main" id="{0E6E876D-DC4D-40EE-BA38-CD01089602CF}"/>
+                <a16:creationId xmlns="" xmlns:a16="http://schemas.microsoft.com/office/drawing/2014/main" id="{0E6E876D-DC4D-40EE-BA38-CD01089602CF}"/>
               </a:ext>
             </a:extLst>
           </p:cNvPr>
@@ -1816,7 +1816,7 @@
           <p:cNvPr id="7" name="Date Placeholder 6">
             <a:extLst>
               <a:ext uri="{FF2B5EF4-FFF2-40B4-BE49-F238E27FC236}">
-                <a16:creationId xmlns:a16="http://schemas.microsoft.com/office/drawing/2014/main" id="{F24E1D97-8B3C-41A1-B0BA-BA833AD8BC7C}"/>
+                <a16:creationId xmlns="" xmlns:a16="http://schemas.microsoft.com/office/drawing/2014/main" id="{F24E1D97-8B3C-41A1-B0BA-BA833AD8BC7C}"/>
               </a:ext>
             </a:extLst>
           </p:cNvPr>
@@ -1834,7 +1834,7 @@
           <a:p>
             <a:fld id="{03EC4E3E-8101-482F-A883-8B55DAFF7C07}" type="datetimeFigureOut">
               <a:rPr lang="en-SG" smtClean="0"/>
-              <a:t>30/7/2017</a:t>
+              <a:t>22/10/17</a:t>
             </a:fld>
             <a:endParaRPr lang="en-SG"/>
           </a:p>
@@ -1845,7 +1845,7 @@
           <p:cNvPr id="8" name="Footer Placeholder 7">
             <a:extLst>
               <a:ext uri="{FF2B5EF4-FFF2-40B4-BE49-F238E27FC236}">
-                <a16:creationId xmlns:a16="http://schemas.microsoft.com/office/drawing/2014/main" id="{FC358D8F-B7DA-4DCE-AC8F-706450EEC0DC}"/>
+                <a16:creationId xmlns="" xmlns:a16="http://schemas.microsoft.com/office/drawing/2014/main" id="{FC358D8F-B7DA-4DCE-AC8F-706450EEC0DC}"/>
               </a:ext>
             </a:extLst>
           </p:cNvPr>
@@ -1870,7 +1870,7 @@
           <p:cNvPr id="9" name="Slide Number Placeholder 8">
             <a:extLst>
               <a:ext uri="{FF2B5EF4-FFF2-40B4-BE49-F238E27FC236}">
-                <a16:creationId xmlns:a16="http://schemas.microsoft.com/office/drawing/2014/main" id="{40CE354E-2C73-4B6F-8AEB-14D1378A77E1}"/>
+                <a16:creationId xmlns="" xmlns:a16="http://schemas.microsoft.com/office/drawing/2014/main" id="{40CE354E-2C73-4B6F-8AEB-14D1378A77E1}"/>
               </a:ext>
             </a:extLst>
           </p:cNvPr>
@@ -1929,7 +1929,7 @@
           <p:cNvPr id="2" name="Title 1">
             <a:extLst>
               <a:ext uri="{FF2B5EF4-FFF2-40B4-BE49-F238E27FC236}">
-                <a16:creationId xmlns:a16="http://schemas.microsoft.com/office/drawing/2014/main" id="{17D9D381-288C-43FB-86C2-AAA4FCFD43FD}"/>
+                <a16:creationId xmlns="" xmlns:a16="http://schemas.microsoft.com/office/drawing/2014/main" id="{17D9D381-288C-43FB-86C2-AAA4FCFD43FD}"/>
               </a:ext>
             </a:extLst>
           </p:cNvPr>
@@ -1958,7 +1958,7 @@
           <p:cNvPr id="3" name="Date Placeholder 2">
             <a:extLst>
               <a:ext uri="{FF2B5EF4-FFF2-40B4-BE49-F238E27FC236}">
-                <a16:creationId xmlns:a16="http://schemas.microsoft.com/office/drawing/2014/main" id="{A85D75E5-4830-4F75-8132-91122609F925}"/>
+                <a16:creationId xmlns="" xmlns:a16="http://schemas.microsoft.com/office/drawing/2014/main" id="{A85D75E5-4830-4F75-8132-91122609F925}"/>
               </a:ext>
             </a:extLst>
           </p:cNvPr>
@@ -1976,7 +1976,7 @@
           <a:p>
             <a:fld id="{03EC4E3E-8101-482F-A883-8B55DAFF7C07}" type="datetimeFigureOut">
               <a:rPr lang="en-SG" smtClean="0"/>
-              <a:t>30/7/2017</a:t>
+              <a:t>22/10/17</a:t>
             </a:fld>
             <a:endParaRPr lang="en-SG"/>
           </a:p>
@@ -1987,7 +1987,7 @@
           <p:cNvPr id="4" name="Footer Placeholder 3">
             <a:extLst>
               <a:ext uri="{FF2B5EF4-FFF2-40B4-BE49-F238E27FC236}">
-                <a16:creationId xmlns:a16="http://schemas.microsoft.com/office/drawing/2014/main" id="{0C14A42C-834F-43EA-8053-84D5A665CEE7}"/>
+                <a16:creationId xmlns="" xmlns:a16="http://schemas.microsoft.com/office/drawing/2014/main" id="{0C14A42C-834F-43EA-8053-84D5A665CEE7}"/>
               </a:ext>
             </a:extLst>
           </p:cNvPr>
@@ -2012,7 +2012,7 @@
           <p:cNvPr id="5" name="Slide Number Placeholder 4">
             <a:extLst>
               <a:ext uri="{FF2B5EF4-FFF2-40B4-BE49-F238E27FC236}">
-                <a16:creationId xmlns:a16="http://schemas.microsoft.com/office/drawing/2014/main" id="{38C1E789-CDA9-48FF-A7BA-F21E31600226}"/>
+                <a16:creationId xmlns="" xmlns:a16="http://schemas.microsoft.com/office/drawing/2014/main" id="{38C1E789-CDA9-48FF-A7BA-F21E31600226}"/>
               </a:ext>
             </a:extLst>
           </p:cNvPr>
@@ -2071,7 +2071,7 @@
           <p:cNvPr id="2" name="Date Placeholder 1">
             <a:extLst>
               <a:ext uri="{FF2B5EF4-FFF2-40B4-BE49-F238E27FC236}">
-                <a16:creationId xmlns:a16="http://schemas.microsoft.com/office/drawing/2014/main" id="{21A40ECD-0ABD-4F35-B481-512A01FC643D}"/>
+                <a16:creationId xmlns="" xmlns:a16="http://schemas.microsoft.com/office/drawing/2014/main" id="{21A40ECD-0ABD-4F35-B481-512A01FC643D}"/>
               </a:ext>
             </a:extLst>
           </p:cNvPr>
@@ -2089,7 +2089,7 @@
           <a:p>
             <a:fld id="{03EC4E3E-8101-482F-A883-8B55DAFF7C07}" type="datetimeFigureOut">
               <a:rPr lang="en-SG" smtClean="0"/>
-              <a:t>30/7/2017</a:t>
+              <a:t>22/10/17</a:t>
             </a:fld>
             <a:endParaRPr lang="en-SG"/>
           </a:p>
@@ -2100,7 +2100,7 @@
           <p:cNvPr id="3" name="Footer Placeholder 2">
             <a:extLst>
               <a:ext uri="{FF2B5EF4-FFF2-40B4-BE49-F238E27FC236}">
-                <a16:creationId xmlns:a16="http://schemas.microsoft.com/office/drawing/2014/main" id="{D44B8F11-A412-4FA6-9070-B9C742F699F3}"/>
+                <a16:creationId xmlns="" xmlns:a16="http://schemas.microsoft.com/office/drawing/2014/main" id="{D44B8F11-A412-4FA6-9070-B9C742F699F3}"/>
               </a:ext>
             </a:extLst>
           </p:cNvPr>
@@ -2125,7 +2125,7 @@
           <p:cNvPr id="4" name="Slide Number Placeholder 3">
             <a:extLst>
               <a:ext uri="{FF2B5EF4-FFF2-40B4-BE49-F238E27FC236}">
-                <a16:creationId xmlns:a16="http://schemas.microsoft.com/office/drawing/2014/main" id="{E3EA086A-DA0B-4378-A128-F213644ECB0C}"/>
+                <a16:creationId xmlns="" xmlns:a16="http://schemas.microsoft.com/office/drawing/2014/main" id="{E3EA086A-DA0B-4378-A128-F213644ECB0C}"/>
               </a:ext>
             </a:extLst>
           </p:cNvPr>
@@ -2184,7 +2184,7 @@
           <p:cNvPr id="2" name="Title 1">
             <a:extLst>
               <a:ext uri="{FF2B5EF4-FFF2-40B4-BE49-F238E27FC236}">
-                <a16:creationId xmlns:a16="http://schemas.microsoft.com/office/drawing/2014/main" id="{765D165A-D423-4E89-A075-D59A9FB59792}"/>
+                <a16:creationId xmlns="" xmlns:a16="http://schemas.microsoft.com/office/drawing/2014/main" id="{765D165A-D423-4E89-A075-D59A9FB59792}"/>
               </a:ext>
             </a:extLst>
           </p:cNvPr>
@@ -2222,7 +2222,7 @@
           <p:cNvPr id="3" name="Content Placeholder 2">
             <a:extLst>
               <a:ext uri="{FF2B5EF4-FFF2-40B4-BE49-F238E27FC236}">
-                <a16:creationId xmlns:a16="http://schemas.microsoft.com/office/drawing/2014/main" id="{77C2A5CC-2876-49CA-993D-F4F73FC9D2B0}"/>
+                <a16:creationId xmlns="" xmlns:a16="http://schemas.microsoft.com/office/drawing/2014/main" id="{77C2A5CC-2876-49CA-993D-F4F73FC9D2B0}"/>
               </a:ext>
             </a:extLst>
           </p:cNvPr>
@@ -2313,7 +2313,7 @@
           <p:cNvPr id="4" name="Text Placeholder 3">
             <a:extLst>
               <a:ext uri="{FF2B5EF4-FFF2-40B4-BE49-F238E27FC236}">
-                <a16:creationId xmlns:a16="http://schemas.microsoft.com/office/drawing/2014/main" id="{7B4DE2E8-CCF6-4E88-A858-05A04CD0D736}"/>
+                <a16:creationId xmlns="" xmlns:a16="http://schemas.microsoft.com/office/drawing/2014/main" id="{7B4DE2E8-CCF6-4E88-A858-05A04CD0D736}"/>
               </a:ext>
             </a:extLst>
           </p:cNvPr>
@@ -2384,7 +2384,7 @@
           <p:cNvPr id="5" name="Date Placeholder 4">
             <a:extLst>
               <a:ext uri="{FF2B5EF4-FFF2-40B4-BE49-F238E27FC236}">
-                <a16:creationId xmlns:a16="http://schemas.microsoft.com/office/drawing/2014/main" id="{CAEBEC1E-DE48-4B55-A846-F8248E381145}"/>
+                <a16:creationId xmlns="" xmlns:a16="http://schemas.microsoft.com/office/drawing/2014/main" id="{CAEBEC1E-DE48-4B55-A846-F8248E381145}"/>
               </a:ext>
             </a:extLst>
           </p:cNvPr>
@@ -2402,7 +2402,7 @@
           <a:p>
             <a:fld id="{03EC4E3E-8101-482F-A883-8B55DAFF7C07}" type="datetimeFigureOut">
               <a:rPr lang="en-SG" smtClean="0"/>
-              <a:t>30/7/2017</a:t>
+              <a:t>22/10/17</a:t>
             </a:fld>
             <a:endParaRPr lang="en-SG"/>
           </a:p>
@@ -2413,7 +2413,7 @@
           <p:cNvPr id="6" name="Footer Placeholder 5">
             <a:extLst>
               <a:ext uri="{FF2B5EF4-FFF2-40B4-BE49-F238E27FC236}">
-                <a16:creationId xmlns:a16="http://schemas.microsoft.com/office/drawing/2014/main" id="{945A6E8B-6BC2-49E9-B4E5-DAD3F7A1A1BF}"/>
+                <a16:creationId xmlns="" xmlns:a16="http://schemas.microsoft.com/office/drawing/2014/main" id="{945A6E8B-6BC2-49E9-B4E5-DAD3F7A1A1BF}"/>
               </a:ext>
             </a:extLst>
           </p:cNvPr>
@@ -2438,7 +2438,7 @@
           <p:cNvPr id="7" name="Slide Number Placeholder 6">
             <a:extLst>
               <a:ext uri="{FF2B5EF4-FFF2-40B4-BE49-F238E27FC236}">
-                <a16:creationId xmlns:a16="http://schemas.microsoft.com/office/drawing/2014/main" id="{E5CF739B-EDF0-43CE-A87E-C49F040C85A5}"/>
+                <a16:creationId xmlns="" xmlns:a16="http://schemas.microsoft.com/office/drawing/2014/main" id="{E5CF739B-EDF0-43CE-A87E-C49F040C85A5}"/>
               </a:ext>
             </a:extLst>
           </p:cNvPr>
@@ -2497,7 +2497,7 @@
           <p:cNvPr id="2" name="Title 1">
             <a:extLst>
               <a:ext uri="{FF2B5EF4-FFF2-40B4-BE49-F238E27FC236}">
-                <a16:creationId xmlns:a16="http://schemas.microsoft.com/office/drawing/2014/main" id="{0091F49F-E849-4834-84DB-61CF2F2652D4}"/>
+                <a16:creationId xmlns="" xmlns:a16="http://schemas.microsoft.com/office/drawing/2014/main" id="{0091F49F-E849-4834-84DB-61CF2F2652D4}"/>
               </a:ext>
             </a:extLst>
           </p:cNvPr>
@@ -2535,7 +2535,7 @@
           <p:cNvPr id="3" name="Picture Placeholder 2">
             <a:extLst>
               <a:ext uri="{FF2B5EF4-FFF2-40B4-BE49-F238E27FC236}">
-                <a16:creationId xmlns:a16="http://schemas.microsoft.com/office/drawing/2014/main" id="{631D62A9-3420-4F1C-9EB9-09EF85106E78}"/>
+                <a16:creationId xmlns="" xmlns:a16="http://schemas.microsoft.com/office/drawing/2014/main" id="{631D62A9-3420-4F1C-9EB9-09EF85106E78}"/>
               </a:ext>
             </a:extLst>
           </p:cNvPr>
@@ -2602,7 +2602,7 @@
           <p:cNvPr id="4" name="Text Placeholder 3">
             <a:extLst>
               <a:ext uri="{FF2B5EF4-FFF2-40B4-BE49-F238E27FC236}">
-                <a16:creationId xmlns:a16="http://schemas.microsoft.com/office/drawing/2014/main" id="{E450EC8D-D7F4-45FC-AD8C-2E198A32CCA2}"/>
+                <a16:creationId xmlns="" xmlns:a16="http://schemas.microsoft.com/office/drawing/2014/main" id="{E450EC8D-D7F4-45FC-AD8C-2E198A32CCA2}"/>
               </a:ext>
             </a:extLst>
           </p:cNvPr>
@@ -2673,7 +2673,7 @@
           <p:cNvPr id="5" name="Date Placeholder 4">
             <a:extLst>
               <a:ext uri="{FF2B5EF4-FFF2-40B4-BE49-F238E27FC236}">
-                <a16:creationId xmlns:a16="http://schemas.microsoft.com/office/drawing/2014/main" id="{7A73D668-ABF4-41FE-958C-542EEDC5F6CC}"/>
+                <a16:creationId xmlns="" xmlns:a16="http://schemas.microsoft.com/office/drawing/2014/main" id="{7A73D668-ABF4-41FE-958C-542EEDC5F6CC}"/>
               </a:ext>
             </a:extLst>
           </p:cNvPr>
@@ -2691,7 +2691,7 @@
           <a:p>
             <a:fld id="{03EC4E3E-8101-482F-A883-8B55DAFF7C07}" type="datetimeFigureOut">
               <a:rPr lang="en-SG" smtClean="0"/>
-              <a:t>30/7/2017</a:t>
+              <a:t>22/10/17</a:t>
             </a:fld>
             <a:endParaRPr lang="en-SG"/>
           </a:p>
@@ -2702,7 +2702,7 @@
           <p:cNvPr id="6" name="Footer Placeholder 5">
             <a:extLst>
               <a:ext uri="{FF2B5EF4-FFF2-40B4-BE49-F238E27FC236}">
-                <a16:creationId xmlns:a16="http://schemas.microsoft.com/office/drawing/2014/main" id="{F4A83B1C-93E7-4D32-9D1B-3F37403B1ACD}"/>
+                <a16:creationId xmlns="" xmlns:a16="http://schemas.microsoft.com/office/drawing/2014/main" id="{F4A83B1C-93E7-4D32-9D1B-3F37403B1ACD}"/>
               </a:ext>
             </a:extLst>
           </p:cNvPr>
@@ -2727,7 +2727,7 @@
           <p:cNvPr id="7" name="Slide Number Placeholder 6">
             <a:extLst>
               <a:ext uri="{FF2B5EF4-FFF2-40B4-BE49-F238E27FC236}">
-                <a16:creationId xmlns:a16="http://schemas.microsoft.com/office/drawing/2014/main" id="{C6AF73BE-F17B-487B-943B-28655BB51C92}"/>
+                <a16:creationId xmlns="" xmlns:a16="http://schemas.microsoft.com/office/drawing/2014/main" id="{C6AF73BE-F17B-487B-943B-28655BB51C92}"/>
               </a:ext>
             </a:extLst>
           </p:cNvPr>
@@ -2791,7 +2791,7 @@
           <p:cNvPr id="2" name="Title Placeholder 1">
             <a:extLst>
               <a:ext uri="{FF2B5EF4-FFF2-40B4-BE49-F238E27FC236}">
-                <a16:creationId xmlns:a16="http://schemas.microsoft.com/office/drawing/2014/main" id="{96F7127E-5F47-4B37-9FDB-695AB14D9551}"/>
+                <a16:creationId xmlns="" xmlns:a16="http://schemas.microsoft.com/office/drawing/2014/main" id="{96F7127E-5F47-4B37-9FDB-695AB14D9551}"/>
               </a:ext>
             </a:extLst>
           </p:cNvPr>
@@ -2830,7 +2830,7 @@
           <p:cNvPr id="3" name="Text Placeholder 2">
             <a:extLst>
               <a:ext uri="{FF2B5EF4-FFF2-40B4-BE49-F238E27FC236}">
-                <a16:creationId xmlns:a16="http://schemas.microsoft.com/office/drawing/2014/main" id="{3BD20F0F-B303-4EE3-AF17-E303EA90B1A3}"/>
+                <a16:creationId xmlns="" xmlns:a16="http://schemas.microsoft.com/office/drawing/2014/main" id="{3BD20F0F-B303-4EE3-AF17-E303EA90B1A3}"/>
               </a:ext>
             </a:extLst>
           </p:cNvPr>
@@ -2898,7 +2898,7 @@
           <p:cNvPr id="4" name="Date Placeholder 3">
             <a:extLst>
               <a:ext uri="{FF2B5EF4-FFF2-40B4-BE49-F238E27FC236}">
-                <a16:creationId xmlns:a16="http://schemas.microsoft.com/office/drawing/2014/main" id="{7927ADFB-0C7F-4333-A456-815FAB4B0315}"/>
+                <a16:creationId xmlns="" xmlns:a16="http://schemas.microsoft.com/office/drawing/2014/main" id="{7927ADFB-0C7F-4333-A456-815FAB4B0315}"/>
               </a:ext>
             </a:extLst>
           </p:cNvPr>
@@ -2934,7 +2934,7 @@
           <a:p>
             <a:fld id="{03EC4E3E-8101-482F-A883-8B55DAFF7C07}" type="datetimeFigureOut">
               <a:rPr lang="en-SG" smtClean="0"/>
-              <a:t>30/7/2017</a:t>
+              <a:t>22/10/17</a:t>
             </a:fld>
             <a:endParaRPr lang="en-SG"/>
           </a:p>
@@ -2945,7 +2945,7 @@
           <p:cNvPr id="5" name="Footer Placeholder 4">
             <a:extLst>
               <a:ext uri="{FF2B5EF4-FFF2-40B4-BE49-F238E27FC236}">
-                <a16:creationId xmlns:a16="http://schemas.microsoft.com/office/drawing/2014/main" id="{A1992B28-8397-4C93-A277-5EE43A537825}"/>
+                <a16:creationId xmlns="" xmlns:a16="http://schemas.microsoft.com/office/drawing/2014/main" id="{A1992B28-8397-4C93-A277-5EE43A537825}"/>
               </a:ext>
             </a:extLst>
           </p:cNvPr>
@@ -2988,7 +2988,7 @@
           <p:cNvPr id="6" name="Slide Number Placeholder 5">
             <a:extLst>
               <a:ext uri="{FF2B5EF4-FFF2-40B4-BE49-F238E27FC236}">
-                <a16:creationId xmlns:a16="http://schemas.microsoft.com/office/drawing/2014/main" id="{D7231209-A74B-4134-87D0-421AB81BBB47}"/>
+                <a16:creationId xmlns="" xmlns:a16="http://schemas.microsoft.com/office/drawing/2014/main" id="{D7231209-A74B-4134-87D0-421AB81BBB47}"/>
               </a:ext>
             </a:extLst>
           </p:cNvPr>
@@ -3356,7 +3356,7 @@
           <p:cNvPr id="6" name="Group 5">
             <a:extLst>
               <a:ext uri="{FF2B5EF4-FFF2-40B4-BE49-F238E27FC236}">
-                <a16:creationId xmlns:a16="http://schemas.microsoft.com/office/drawing/2014/main" id="{9DB0F398-707C-4BD3-877D-EFF30CB240B7}"/>
+                <a16:creationId xmlns="" xmlns:a16="http://schemas.microsoft.com/office/drawing/2014/main" id="{9DB0F398-707C-4BD3-877D-EFF30CB240B7}"/>
               </a:ext>
             </a:extLst>
           </p:cNvPr>
@@ -3376,7 +3376,7 @@
             <p:cNvPr id="4" name="Rectangle 3">
               <a:extLst>
                 <a:ext uri="{FF2B5EF4-FFF2-40B4-BE49-F238E27FC236}">
-                  <a16:creationId xmlns:a16="http://schemas.microsoft.com/office/drawing/2014/main" id="{8397A37E-D0A0-42F2-8FEF-D430C5DE70F2}"/>
+                  <a16:creationId xmlns="" xmlns:a16="http://schemas.microsoft.com/office/drawing/2014/main" id="{8397A37E-D0A0-42F2-8FEF-D430C5DE70F2}"/>
                 </a:ext>
               </a:extLst>
             </p:cNvPr>
@@ -3421,7 +3421,7 @@
             <p:cNvPr id="5" name="Rectangle 4">
               <a:extLst>
                 <a:ext uri="{FF2B5EF4-FFF2-40B4-BE49-F238E27FC236}">
-                  <a16:creationId xmlns:a16="http://schemas.microsoft.com/office/drawing/2014/main" id="{149527BF-446B-4568-AB3B-764AEBF46B19}"/>
+                  <a16:creationId xmlns="" xmlns:a16="http://schemas.microsoft.com/office/drawing/2014/main" id="{149527BF-446B-4568-AB3B-764AEBF46B19}"/>
                 </a:ext>
               </a:extLst>
             </p:cNvPr>
@@ -3476,7 +3476,7 @@
           <p:cNvPr id="10" name="TextBox 9">
             <a:extLst>
               <a:ext uri="{FF2B5EF4-FFF2-40B4-BE49-F238E27FC236}">
-                <a16:creationId xmlns:a16="http://schemas.microsoft.com/office/drawing/2014/main" id="{1E4F0408-5354-4F6A-B568-8265CE447C44}"/>
+                <a16:creationId xmlns="" xmlns:a16="http://schemas.microsoft.com/office/drawing/2014/main" id="{1E4F0408-5354-4F6A-B568-8265CE447C44}"/>
               </a:ext>
             </a:extLst>
           </p:cNvPr>
@@ -3517,7 +3517,7 @@
           <p:cNvPr id="11" name="TextBox 10">
             <a:extLst>
               <a:ext uri="{FF2B5EF4-FFF2-40B4-BE49-F238E27FC236}">
-                <a16:creationId xmlns:a16="http://schemas.microsoft.com/office/drawing/2014/main" id="{AEDA3BD1-2236-4D57-B42D-805C563D5E78}"/>
+                <a16:creationId xmlns="" xmlns:a16="http://schemas.microsoft.com/office/drawing/2014/main" id="{AEDA3BD1-2236-4D57-B42D-805C563D5E78}"/>
               </a:ext>
             </a:extLst>
           </p:cNvPr>
@@ -3558,7 +3558,7 @@
           <p:cNvPr id="12" name="Arrow: Right 11">
             <a:extLst>
               <a:ext uri="{FF2B5EF4-FFF2-40B4-BE49-F238E27FC236}">
-                <a16:creationId xmlns:a16="http://schemas.microsoft.com/office/drawing/2014/main" id="{734F3E12-61FE-40F7-AB2D-0CE0E4ABE0BB}"/>
+                <a16:creationId xmlns="" xmlns:a16="http://schemas.microsoft.com/office/drawing/2014/main" id="{734F3E12-61FE-40F7-AB2D-0CE0E4ABE0BB}"/>
               </a:ext>
             </a:extLst>
           </p:cNvPr>
@@ -3567,8 +3567,8 @@
         </p:nvSpPr>
         <p:spPr>
           <a:xfrm>
-            <a:off x="5068620" y="1836542"/>
-            <a:ext cx="2289644" cy="1263192"/>
+            <a:off x="4954496" y="1836542"/>
+            <a:ext cx="2439393" cy="1263192"/>
           </a:xfrm>
           <a:prstGeom prst="rightArrow">
             <a:avLst/>
@@ -3596,10 +3596,40 @@
           <a:p>
             <a:pPr algn="ctr"/>
             <a:r>
+              <a:rPr lang="en-SG" dirty="0" smtClean="0">
+                <a:latin typeface="Consolas" panose="020B0609020204030204" pitchFamily="49" charset="0"/>
+              </a:rPr>
+              <a:t>Add </a:t>
+            </a:r>
+            <a:r>
+              <a:rPr lang="en-US" altLang="zh-CN" dirty="0" smtClean="0">
+                <a:latin typeface="Consolas" panose="020B0609020204030204" pitchFamily="49" charset="0"/>
+              </a:rPr>
+              <a:t>m</a:t>
+            </a:r>
+            <a:r>
+              <a:rPr lang="en-SG" dirty="0" smtClean="0">
+                <a:latin typeface="Consolas" panose="020B0609020204030204" pitchFamily="49" charset="0"/>
+              </a:rPr>
+              <a:t>/</a:t>
+            </a:r>
+            <a:r>
+              <a:rPr lang="en-US" altLang="zh-CN" dirty="0" smtClean="0">
+                <a:latin typeface="Consolas" panose="020B0609020204030204" pitchFamily="49" charset="0"/>
+              </a:rPr>
+              <a:t>MA1101R</a:t>
+            </a:r>
+            <a:r>
+              <a:rPr lang="en-SG" dirty="0" smtClean="0">
+                <a:latin typeface="Consolas" panose="020B0609020204030204" pitchFamily="49" charset="0"/>
+              </a:rPr>
+              <a:t> </a:t>
+            </a:r>
+            <a:r>
               <a:rPr lang="en-SG" dirty="0">
                 <a:latin typeface="Consolas" panose="020B0609020204030204" pitchFamily="49" charset="0"/>
               </a:rPr>
-              <a:t>add n/David …</a:t>
+              <a:t>…</a:t>
             </a:r>
           </a:p>
         </p:txBody>
@@ -3609,7 +3639,7 @@
           <p:cNvPr id="37" name="Group 36">
             <a:extLst>
               <a:ext uri="{FF2B5EF4-FFF2-40B4-BE49-F238E27FC236}">
-                <a16:creationId xmlns:a16="http://schemas.microsoft.com/office/drawing/2014/main" id="{ECA0B2FB-35CD-4C39-91C0-B773EB3ABAB7}"/>
+                <a16:creationId xmlns="" xmlns:a16="http://schemas.microsoft.com/office/drawing/2014/main" id="{ECA0B2FB-35CD-4C39-91C0-B773EB3ABAB7}"/>
               </a:ext>
             </a:extLst>
           </p:cNvPr>
@@ -3629,7 +3659,7 @@
             <p:cNvPr id="39" name="Rectangle 38">
               <a:extLst>
                 <a:ext uri="{FF2B5EF4-FFF2-40B4-BE49-F238E27FC236}">
-                  <a16:creationId xmlns:a16="http://schemas.microsoft.com/office/drawing/2014/main" id="{4885B58F-444B-4BAC-97BE-CBF09EAD34E3}"/>
+                  <a16:creationId xmlns="" xmlns:a16="http://schemas.microsoft.com/office/drawing/2014/main" id="{4885B58F-444B-4BAC-97BE-CBF09EAD34E3}"/>
                 </a:ext>
               </a:extLst>
             </p:cNvPr>
@@ -3674,7 +3704,7 @@
             <p:cNvPr id="40" name="Rectangle 39">
               <a:extLst>
                 <a:ext uri="{FF2B5EF4-FFF2-40B4-BE49-F238E27FC236}">
-                  <a16:creationId xmlns:a16="http://schemas.microsoft.com/office/drawing/2014/main" id="{EF5FADF8-7F91-421E-9CAB-3B5247D43AFC}"/>
+                  <a16:creationId xmlns="" xmlns:a16="http://schemas.microsoft.com/office/drawing/2014/main" id="{EF5FADF8-7F91-421E-9CAB-3B5247D43AFC}"/>
                 </a:ext>
               </a:extLst>
             </p:cNvPr>
@@ -3729,7 +3759,7 @@
           <p:cNvPr id="41" name="Group 40">
             <a:extLst>
               <a:ext uri="{FF2B5EF4-FFF2-40B4-BE49-F238E27FC236}">
-                <a16:creationId xmlns:a16="http://schemas.microsoft.com/office/drawing/2014/main" id="{293E3CC4-F95C-408B-A33C-A687746E7D68}"/>
+                <a16:creationId xmlns="" xmlns:a16="http://schemas.microsoft.com/office/drawing/2014/main" id="{293E3CC4-F95C-408B-A33C-A687746E7D68}"/>
               </a:ext>
             </a:extLst>
           </p:cNvPr>
@@ -3738,8 +3768,8 @@
         </p:nvGrpSpPr>
         <p:grpSpPr>
           <a:xfrm>
-            <a:off x="7238258" y="458550"/>
-            <a:ext cx="2839364" cy="3412504"/>
+            <a:off x="7238257" y="458550"/>
+            <a:ext cx="3330781" cy="3412504"/>
             <a:chOff x="1508289" y="707009"/>
             <a:chExt cx="1913641" cy="2036191"/>
           </a:xfrm>
@@ -3749,7 +3779,7 @@
             <p:cNvPr id="42" name="Rectangle 41">
               <a:extLst>
                 <a:ext uri="{FF2B5EF4-FFF2-40B4-BE49-F238E27FC236}">
-                  <a16:creationId xmlns:a16="http://schemas.microsoft.com/office/drawing/2014/main" id="{A362385B-F023-4464-A60D-B98A1DDD9E99}"/>
+                  <a16:creationId xmlns="" xmlns:a16="http://schemas.microsoft.com/office/drawing/2014/main" id="{A362385B-F023-4464-A60D-B98A1DDD9E99}"/>
                 </a:ext>
               </a:extLst>
             </p:cNvPr>
@@ -3794,7 +3824,7 @@
             <p:cNvPr id="43" name="Rectangle 42">
               <a:extLst>
                 <a:ext uri="{FF2B5EF4-FFF2-40B4-BE49-F238E27FC236}">
-                  <a16:creationId xmlns:a16="http://schemas.microsoft.com/office/drawing/2014/main" id="{A5E296C2-53B2-4D32-8DD6-70614AF135DC}"/>
+                  <a16:creationId xmlns="" xmlns:a16="http://schemas.microsoft.com/office/drawing/2014/main" id="{A5E296C2-53B2-4D32-8DD6-70614AF135DC}"/>
                 </a:ext>
               </a:extLst>
             </p:cNvPr>
@@ -3849,7 +3879,7 @@
           <p:cNvPr id="44" name="TextBox 43">
             <a:extLst>
               <a:ext uri="{FF2B5EF4-FFF2-40B4-BE49-F238E27FC236}">
-                <a16:creationId xmlns:a16="http://schemas.microsoft.com/office/drawing/2014/main" id="{BF18A34F-BB1F-44B5-9B2B-9290B2E65D50}"/>
+                <a16:creationId xmlns="" xmlns:a16="http://schemas.microsoft.com/office/drawing/2014/main" id="{BF18A34F-BB1F-44B5-9B2B-9290B2E65D50}"/>
               </a:ext>
             </a:extLst>
           </p:cNvPr>
@@ -3890,7 +3920,7 @@
           <p:cNvPr id="45" name="TextBox 44">
             <a:extLst>
               <a:ext uri="{FF2B5EF4-FFF2-40B4-BE49-F238E27FC236}">
-                <a16:creationId xmlns:a16="http://schemas.microsoft.com/office/drawing/2014/main" id="{3151A13B-9509-43FA-BFEB-1D9866A00B84}"/>
+                <a16:creationId xmlns="" xmlns:a16="http://schemas.microsoft.com/office/drawing/2014/main" id="{3151A13B-9509-43FA-BFEB-1D9866A00B84}"/>
               </a:ext>
             </a:extLst>
           </p:cNvPr>
@@ -3931,7 +3961,7 @@
           <p:cNvPr id="47" name="Group 46">
             <a:extLst>
               <a:ext uri="{FF2B5EF4-FFF2-40B4-BE49-F238E27FC236}">
-                <a16:creationId xmlns:a16="http://schemas.microsoft.com/office/drawing/2014/main" id="{B39366E1-88C2-477D-B97A-0B4B62CF63BA}"/>
+                <a16:creationId xmlns="" xmlns:a16="http://schemas.microsoft.com/office/drawing/2014/main" id="{B39366E1-88C2-477D-B97A-0B4B62CF63BA}"/>
               </a:ext>
             </a:extLst>
           </p:cNvPr>
@@ -3940,7 +3970,7 @@
         </p:nvGrpSpPr>
         <p:grpSpPr>
           <a:xfrm>
-            <a:off x="9803759" y="458550"/>
+            <a:off x="10243144" y="458550"/>
             <a:ext cx="2839364" cy="3412504"/>
             <a:chOff x="1508289" y="707009"/>
             <a:chExt cx="1913641" cy="2036191"/>
@@ -3951,7 +3981,7 @@
             <p:cNvPr id="48" name="Rectangle 47">
               <a:extLst>
                 <a:ext uri="{FF2B5EF4-FFF2-40B4-BE49-F238E27FC236}">
-                  <a16:creationId xmlns:a16="http://schemas.microsoft.com/office/drawing/2014/main" id="{862365D7-654C-407F-B712-8ABE97B9B304}"/>
+                  <a16:creationId xmlns="" xmlns:a16="http://schemas.microsoft.com/office/drawing/2014/main" id="{862365D7-654C-407F-B712-8ABE97B9B304}"/>
                 </a:ext>
               </a:extLst>
             </p:cNvPr>
@@ -3996,7 +4026,7 @@
             <p:cNvPr id="49" name="Rectangle 48">
               <a:extLst>
                 <a:ext uri="{FF2B5EF4-FFF2-40B4-BE49-F238E27FC236}">
-                  <a16:creationId xmlns:a16="http://schemas.microsoft.com/office/drawing/2014/main" id="{0D79E594-5069-4C6C-9C04-080547BD0E0C}"/>
+                  <a16:creationId xmlns="" xmlns:a16="http://schemas.microsoft.com/office/drawing/2014/main" id="{0D79E594-5069-4C6C-9C04-080547BD0E0C}"/>
                 </a:ext>
               </a:extLst>
             </p:cNvPr>
@@ -4051,7 +4081,7 @@
           <p:cNvPr id="23" name="Table 22">
             <a:extLst>
               <a:ext uri="{FF2B5EF4-FFF2-40B4-BE49-F238E27FC236}">
-                <a16:creationId xmlns:a16="http://schemas.microsoft.com/office/drawing/2014/main" id="{4BBE8470-C1F5-4C8D-87CB-1D8EB5FFDF75}"/>
+                <a16:creationId xmlns="" xmlns:a16="http://schemas.microsoft.com/office/drawing/2014/main" id="{4BBE8470-C1F5-4C8D-87CB-1D8EB5FFDF75}"/>
               </a:ext>
             </a:extLst>
           </p:cNvPr>
@@ -4061,14 +4091,14 @@
           <p:nvPr>
             <p:extLst>
               <p:ext uri="{D42A27DB-BD31-4B8C-83A1-F6EECF244321}">
-                <p14:modId xmlns:p14="http://schemas.microsoft.com/office/powerpoint/2010/main" val="4065727295"/>
+                <p14:modId xmlns:p14="http://schemas.microsoft.com/office/powerpoint/2010/main" val="1100804108"/>
               </p:ext>
             </p:extLst>
           </p:nvPr>
         </p:nvGraphicFramePr>
         <p:xfrm>
           <a:off x="7448062" y="1780380"/>
-          <a:ext cx="2458129" cy="1005840"/>
+          <a:ext cx="2954722" cy="1005840"/>
         </p:xfrm>
         <a:graphic>
           <a:graphicData uri="http://schemas.openxmlformats.org/drawingml/2006/table">
@@ -4077,10 +4107,10 @@
                 <a:tableStyleId>{638B1855-1B75-4FBE-930C-398BA8C253C6}</a:tableStyleId>
               </a:tblPr>
               <a:tblGrid>
-                <a:gridCol w="2458129">
+                <a:gridCol w="2954722">
                   <a:extLst>
                     <a:ext uri="{9D8B030D-6E8A-4147-A177-3AD203B41FA5}">
-                      <a16:colId xmlns:a16="http://schemas.microsoft.com/office/drawing/2014/main" val="4240773277"/>
+                      <a16:colId xmlns="" xmlns:a16="http://schemas.microsoft.com/office/drawing/2014/main" val="4240773277"/>
                     </a:ext>
                   </a:extLst>
                 </a:gridCol>
@@ -4118,7 +4148,7 @@
                 </a:tc>
                 <a:extLst>
                   <a:ext uri="{0D108BD9-81ED-4DB2-BD59-A6C34878D82A}">
-                    <a16:rowId xmlns:a16="http://schemas.microsoft.com/office/drawing/2014/main" val="2194462629"/>
+                    <a16:rowId xmlns="" xmlns:a16="http://schemas.microsoft.com/office/drawing/2014/main" val="2194462629"/>
                   </a:ext>
                 </a:extLst>
               </a:tr>
@@ -4134,8 +4164,29 @@
                       </a:r>
                       <a:r>
                         <a:rPr lang="en-SG" dirty="0"/>
-                        <a:t> = “Name: David”</a:t>
+                        <a:t> = </a:t>
                       </a:r>
+                      <a:r>
+                        <a:rPr lang="en-SG" dirty="0" smtClean="0"/>
+                        <a:t>“</a:t>
+                      </a:r>
+                      <a:r>
+                        <a:rPr lang="en-US" altLang="zh-CN" dirty="0" smtClean="0"/>
+                        <a:t>Module</a:t>
+                      </a:r>
+                      <a:r>
+                        <a:rPr lang="en-SG" dirty="0" smtClean="0"/>
+                        <a:t>: </a:t>
+                      </a:r>
+                      <a:r>
+                        <a:rPr lang="en-US" altLang="zh-CN" dirty="0" smtClean="0"/>
+                        <a:t>MA1101R</a:t>
+                      </a:r>
+                      <a:r>
+                        <a:rPr lang="en-SG" dirty="0" smtClean="0"/>
+                        <a:t>”</a:t>
+                      </a:r>
+                      <a:endParaRPr lang="en-SG" dirty="0"/>
                     </a:p>
                     <a:p>
                       <a:r>
@@ -4164,7 +4215,7 @@
                 </a:tc>
                 <a:extLst>
                   <a:ext uri="{0D108BD9-81ED-4DB2-BD59-A6C34878D82A}">
-                    <a16:rowId xmlns:a16="http://schemas.microsoft.com/office/drawing/2014/main" val="368623409"/>
+                    <a16:rowId xmlns="" xmlns:a16="http://schemas.microsoft.com/office/drawing/2014/main" val="368623409"/>
                   </a:ext>
                 </a:extLst>
               </a:tr>
@@ -4177,7 +4228,7 @@
           <p:cNvPr id="22" name="Table 21">
             <a:extLst>
               <a:ext uri="{FF2B5EF4-FFF2-40B4-BE49-F238E27FC236}">
-                <a16:creationId xmlns:a16="http://schemas.microsoft.com/office/drawing/2014/main" id="{7808846A-2C8D-4319-890C-790D75E05656}"/>
+                <a16:creationId xmlns="" xmlns:a16="http://schemas.microsoft.com/office/drawing/2014/main" id="{7808846A-2C8D-4319-890C-790D75E05656}"/>
               </a:ext>
             </a:extLst>
           </p:cNvPr>
@@ -4206,7 +4257,7 @@
                 <a:gridCol w="2269482">
                   <a:extLst>
                     <a:ext uri="{9D8B030D-6E8A-4147-A177-3AD203B41FA5}">
-                      <a16:colId xmlns:a16="http://schemas.microsoft.com/office/drawing/2014/main" val="4240773277"/>
+                      <a16:colId xmlns="" xmlns:a16="http://schemas.microsoft.com/office/drawing/2014/main" val="4240773277"/>
                     </a:ext>
                   </a:extLst>
                 </a:gridCol>
@@ -4244,7 +4295,7 @@
                 </a:tc>
                 <a:extLst>
                   <a:ext uri="{0D108BD9-81ED-4DB2-BD59-A6C34878D82A}">
-                    <a16:rowId xmlns:a16="http://schemas.microsoft.com/office/drawing/2014/main" val="2194462629"/>
+                    <a16:rowId xmlns="" xmlns:a16="http://schemas.microsoft.com/office/drawing/2014/main" val="2194462629"/>
                   </a:ext>
                 </a:extLst>
               </a:tr>
@@ -4290,7 +4341,7 @@
                 </a:tc>
                 <a:extLst>
                   <a:ext uri="{0D108BD9-81ED-4DB2-BD59-A6C34878D82A}">
-                    <a16:rowId xmlns:a16="http://schemas.microsoft.com/office/drawing/2014/main" val="368623409"/>
+                    <a16:rowId xmlns="" xmlns:a16="http://schemas.microsoft.com/office/drawing/2014/main" val="368623409"/>
                   </a:ext>
                 </a:extLst>
               </a:tr>
@@ -4303,7 +4354,7 @@
           <p:cNvPr id="24" name="Table 23">
             <a:extLst>
               <a:ext uri="{FF2B5EF4-FFF2-40B4-BE49-F238E27FC236}">
-                <a16:creationId xmlns:a16="http://schemas.microsoft.com/office/drawing/2014/main" id="{A29E6ECE-DAEA-4872-A527-4228E1717963}"/>
+                <a16:creationId xmlns="" xmlns:a16="http://schemas.microsoft.com/office/drawing/2014/main" id="{A29E6ECE-DAEA-4872-A527-4228E1717963}"/>
               </a:ext>
             </a:extLst>
           </p:cNvPr>
@@ -4332,7 +4383,7 @@
                 <a:gridCol w="2269482">
                   <a:extLst>
                     <a:ext uri="{9D8B030D-6E8A-4147-A177-3AD203B41FA5}">
-                      <a16:colId xmlns:a16="http://schemas.microsoft.com/office/drawing/2014/main" val="4240773277"/>
+                      <a16:colId xmlns="" xmlns:a16="http://schemas.microsoft.com/office/drawing/2014/main" val="4240773277"/>
                     </a:ext>
                   </a:extLst>
                 </a:gridCol>
@@ -4370,7 +4421,7 @@
                 </a:tc>
                 <a:extLst>
                   <a:ext uri="{0D108BD9-81ED-4DB2-BD59-A6C34878D82A}">
-                    <a16:rowId xmlns:a16="http://schemas.microsoft.com/office/drawing/2014/main" val="2194462629"/>
+                    <a16:rowId xmlns="" xmlns:a16="http://schemas.microsoft.com/office/drawing/2014/main" val="2194462629"/>
                   </a:ext>
                 </a:extLst>
               </a:tr>
@@ -4416,7 +4467,7 @@
                 </a:tc>
                 <a:extLst>
                   <a:ext uri="{0D108BD9-81ED-4DB2-BD59-A6C34878D82A}">
-                    <a16:rowId xmlns:a16="http://schemas.microsoft.com/office/drawing/2014/main" val="368623409"/>
+                    <a16:rowId xmlns="" xmlns:a16="http://schemas.microsoft.com/office/drawing/2014/main" val="368623409"/>
                   </a:ext>
                 </a:extLst>
               </a:tr>

--- a/docs/diagrams/UndoRedoNewCommand1StackDiagram.pptx
+++ b/docs/diagrams/UndoRedoNewCommand1StackDiagram.pptx
@@ -138,7 +138,7 @@
           <p:cNvPr id="2" name="Title 1">
             <a:extLst>
               <a:ext uri="{FF2B5EF4-FFF2-40B4-BE49-F238E27FC236}">
-                <a16:creationId xmlns="" xmlns:a16="http://schemas.microsoft.com/office/drawing/2014/main" id="{39FCC519-EE2E-4054-A653-93D611E0133E}"/>
+                <a16:creationId xmlns:a16="http://schemas.microsoft.com/office/drawing/2014/main" xmlns="" id="{39FCC519-EE2E-4054-A653-93D611E0133E}"/>
               </a:ext>
             </a:extLst>
           </p:cNvPr>
@@ -176,7 +176,7 @@
           <p:cNvPr id="3" name="Subtitle 2">
             <a:extLst>
               <a:ext uri="{FF2B5EF4-FFF2-40B4-BE49-F238E27FC236}">
-                <a16:creationId xmlns="" xmlns:a16="http://schemas.microsoft.com/office/drawing/2014/main" id="{3EDEA74E-4030-4F69-A055-4C6319EEEC29}"/>
+                <a16:creationId xmlns:a16="http://schemas.microsoft.com/office/drawing/2014/main" xmlns="" id="{3EDEA74E-4030-4F69-A055-4C6319EEEC29}"/>
               </a:ext>
             </a:extLst>
           </p:cNvPr>
@@ -247,7 +247,7 @@
           <p:cNvPr id="4" name="Date Placeholder 3">
             <a:extLst>
               <a:ext uri="{FF2B5EF4-FFF2-40B4-BE49-F238E27FC236}">
-                <a16:creationId xmlns="" xmlns:a16="http://schemas.microsoft.com/office/drawing/2014/main" id="{E5CC99E3-37A6-4485-B9A2-AF27A72608C6}"/>
+                <a16:creationId xmlns:a16="http://schemas.microsoft.com/office/drawing/2014/main" xmlns="" id="{E5CC99E3-37A6-4485-B9A2-AF27A72608C6}"/>
               </a:ext>
             </a:extLst>
           </p:cNvPr>
@@ -276,7 +276,7 @@
           <p:cNvPr id="5" name="Footer Placeholder 4">
             <a:extLst>
               <a:ext uri="{FF2B5EF4-FFF2-40B4-BE49-F238E27FC236}">
-                <a16:creationId xmlns="" xmlns:a16="http://schemas.microsoft.com/office/drawing/2014/main" id="{D75BD546-D949-4A25-8EA4-47DF23229409}"/>
+                <a16:creationId xmlns:a16="http://schemas.microsoft.com/office/drawing/2014/main" xmlns="" id="{D75BD546-D949-4A25-8EA4-47DF23229409}"/>
               </a:ext>
             </a:extLst>
           </p:cNvPr>
@@ -301,7 +301,7 @@
           <p:cNvPr id="6" name="Slide Number Placeholder 5">
             <a:extLst>
               <a:ext uri="{FF2B5EF4-FFF2-40B4-BE49-F238E27FC236}">
-                <a16:creationId xmlns="" xmlns:a16="http://schemas.microsoft.com/office/drawing/2014/main" id="{68147391-4DF6-4ACF-BCE9-C1A9DAC803E3}"/>
+                <a16:creationId xmlns:a16="http://schemas.microsoft.com/office/drawing/2014/main" xmlns="" id="{68147391-4DF6-4ACF-BCE9-C1A9DAC803E3}"/>
               </a:ext>
             </a:extLst>
           </p:cNvPr>
@@ -360,7 +360,7 @@
           <p:cNvPr id="2" name="Title 1">
             <a:extLst>
               <a:ext uri="{FF2B5EF4-FFF2-40B4-BE49-F238E27FC236}">
-                <a16:creationId xmlns="" xmlns:a16="http://schemas.microsoft.com/office/drawing/2014/main" id="{251D3DFE-0C62-45F5-B1BF-FD1F194ED112}"/>
+                <a16:creationId xmlns:a16="http://schemas.microsoft.com/office/drawing/2014/main" xmlns="" id="{251D3DFE-0C62-45F5-B1BF-FD1F194ED112}"/>
               </a:ext>
             </a:extLst>
           </p:cNvPr>
@@ -389,7 +389,7 @@
           <p:cNvPr id="3" name="Vertical Text Placeholder 2">
             <a:extLst>
               <a:ext uri="{FF2B5EF4-FFF2-40B4-BE49-F238E27FC236}">
-                <a16:creationId xmlns="" xmlns:a16="http://schemas.microsoft.com/office/drawing/2014/main" id="{D2392762-3586-4B6D-A174-2D3ACF0A125B}"/>
+                <a16:creationId xmlns:a16="http://schemas.microsoft.com/office/drawing/2014/main" xmlns="" id="{D2392762-3586-4B6D-A174-2D3ACF0A125B}"/>
               </a:ext>
             </a:extLst>
           </p:cNvPr>
@@ -447,7 +447,7 @@
           <p:cNvPr id="4" name="Date Placeholder 3">
             <a:extLst>
               <a:ext uri="{FF2B5EF4-FFF2-40B4-BE49-F238E27FC236}">
-                <a16:creationId xmlns="" xmlns:a16="http://schemas.microsoft.com/office/drawing/2014/main" id="{73B232E7-84FB-4535-9FC1-1BEF8F17421F}"/>
+                <a16:creationId xmlns:a16="http://schemas.microsoft.com/office/drawing/2014/main" xmlns="" id="{73B232E7-84FB-4535-9FC1-1BEF8F17421F}"/>
               </a:ext>
             </a:extLst>
           </p:cNvPr>
@@ -476,7 +476,7 @@
           <p:cNvPr id="5" name="Footer Placeholder 4">
             <a:extLst>
               <a:ext uri="{FF2B5EF4-FFF2-40B4-BE49-F238E27FC236}">
-                <a16:creationId xmlns="" xmlns:a16="http://schemas.microsoft.com/office/drawing/2014/main" id="{76F796EF-04EF-401A-AC84-F7BDBC99DE80}"/>
+                <a16:creationId xmlns:a16="http://schemas.microsoft.com/office/drawing/2014/main" xmlns="" id="{76F796EF-04EF-401A-AC84-F7BDBC99DE80}"/>
               </a:ext>
             </a:extLst>
           </p:cNvPr>
@@ -501,7 +501,7 @@
           <p:cNvPr id="6" name="Slide Number Placeholder 5">
             <a:extLst>
               <a:ext uri="{FF2B5EF4-FFF2-40B4-BE49-F238E27FC236}">
-                <a16:creationId xmlns="" xmlns:a16="http://schemas.microsoft.com/office/drawing/2014/main" id="{8F55F009-0A64-4649-A732-4AA6D619F1F3}"/>
+                <a16:creationId xmlns:a16="http://schemas.microsoft.com/office/drawing/2014/main" xmlns="" id="{8F55F009-0A64-4649-A732-4AA6D619F1F3}"/>
               </a:ext>
             </a:extLst>
           </p:cNvPr>
@@ -560,7 +560,7 @@
           <p:cNvPr id="2" name="Vertical Title 1">
             <a:extLst>
               <a:ext uri="{FF2B5EF4-FFF2-40B4-BE49-F238E27FC236}">
-                <a16:creationId xmlns="" xmlns:a16="http://schemas.microsoft.com/office/drawing/2014/main" id="{F7DE9595-D7A8-4E19-B4C6-E295F978F6A4}"/>
+                <a16:creationId xmlns:a16="http://schemas.microsoft.com/office/drawing/2014/main" xmlns="" id="{F7DE9595-D7A8-4E19-B4C6-E295F978F6A4}"/>
               </a:ext>
             </a:extLst>
           </p:cNvPr>
@@ -594,7 +594,7 @@
           <p:cNvPr id="3" name="Vertical Text Placeholder 2">
             <a:extLst>
               <a:ext uri="{FF2B5EF4-FFF2-40B4-BE49-F238E27FC236}">
-                <a16:creationId xmlns="" xmlns:a16="http://schemas.microsoft.com/office/drawing/2014/main" id="{0D2975B7-7A6D-40EA-B2F6-338022AD2BF1}"/>
+                <a16:creationId xmlns:a16="http://schemas.microsoft.com/office/drawing/2014/main" xmlns="" id="{0D2975B7-7A6D-40EA-B2F6-338022AD2BF1}"/>
               </a:ext>
             </a:extLst>
           </p:cNvPr>
@@ -657,7 +657,7 @@
           <p:cNvPr id="4" name="Date Placeholder 3">
             <a:extLst>
               <a:ext uri="{FF2B5EF4-FFF2-40B4-BE49-F238E27FC236}">
-                <a16:creationId xmlns="" xmlns:a16="http://schemas.microsoft.com/office/drawing/2014/main" id="{C8230AC3-1BED-4D2B-96D3-51C50E14A9E6}"/>
+                <a16:creationId xmlns:a16="http://schemas.microsoft.com/office/drawing/2014/main" xmlns="" id="{C8230AC3-1BED-4D2B-96D3-51C50E14A9E6}"/>
               </a:ext>
             </a:extLst>
           </p:cNvPr>
@@ -686,7 +686,7 @@
           <p:cNvPr id="5" name="Footer Placeholder 4">
             <a:extLst>
               <a:ext uri="{FF2B5EF4-FFF2-40B4-BE49-F238E27FC236}">
-                <a16:creationId xmlns="" xmlns:a16="http://schemas.microsoft.com/office/drawing/2014/main" id="{4AD6CA96-231A-43AD-B530-7C509651DE3B}"/>
+                <a16:creationId xmlns:a16="http://schemas.microsoft.com/office/drawing/2014/main" xmlns="" id="{4AD6CA96-231A-43AD-B530-7C509651DE3B}"/>
               </a:ext>
             </a:extLst>
           </p:cNvPr>
@@ -711,7 +711,7 @@
           <p:cNvPr id="6" name="Slide Number Placeholder 5">
             <a:extLst>
               <a:ext uri="{FF2B5EF4-FFF2-40B4-BE49-F238E27FC236}">
-                <a16:creationId xmlns="" xmlns:a16="http://schemas.microsoft.com/office/drawing/2014/main" id="{12063E3B-180A-454E-A661-6CCD48D7062C}"/>
+                <a16:creationId xmlns:a16="http://schemas.microsoft.com/office/drawing/2014/main" xmlns="" id="{12063E3B-180A-454E-A661-6CCD48D7062C}"/>
               </a:ext>
             </a:extLst>
           </p:cNvPr>
@@ -770,7 +770,7 @@
           <p:cNvPr id="2" name="Title 1">
             <a:extLst>
               <a:ext uri="{FF2B5EF4-FFF2-40B4-BE49-F238E27FC236}">
-                <a16:creationId xmlns="" xmlns:a16="http://schemas.microsoft.com/office/drawing/2014/main" id="{7E861C8D-BAF0-4DD9-92B9-591B272791CA}"/>
+                <a16:creationId xmlns:a16="http://schemas.microsoft.com/office/drawing/2014/main" xmlns="" id="{7E861C8D-BAF0-4DD9-92B9-591B272791CA}"/>
               </a:ext>
             </a:extLst>
           </p:cNvPr>
@@ -799,7 +799,7 @@
           <p:cNvPr id="3" name="Content Placeholder 2">
             <a:extLst>
               <a:ext uri="{FF2B5EF4-FFF2-40B4-BE49-F238E27FC236}">
-                <a16:creationId xmlns="" xmlns:a16="http://schemas.microsoft.com/office/drawing/2014/main" id="{534DA4BD-1D78-446B-B79F-C1229642DDEB}"/>
+                <a16:creationId xmlns:a16="http://schemas.microsoft.com/office/drawing/2014/main" xmlns="" id="{534DA4BD-1D78-446B-B79F-C1229642DDEB}"/>
               </a:ext>
             </a:extLst>
           </p:cNvPr>
@@ -857,7 +857,7 @@
           <p:cNvPr id="4" name="Date Placeholder 3">
             <a:extLst>
               <a:ext uri="{FF2B5EF4-FFF2-40B4-BE49-F238E27FC236}">
-                <a16:creationId xmlns="" xmlns:a16="http://schemas.microsoft.com/office/drawing/2014/main" id="{AD6BEDB5-7B62-4953-BECB-7F7F3E909CAC}"/>
+                <a16:creationId xmlns:a16="http://schemas.microsoft.com/office/drawing/2014/main" xmlns="" id="{AD6BEDB5-7B62-4953-BECB-7F7F3E909CAC}"/>
               </a:ext>
             </a:extLst>
           </p:cNvPr>
@@ -886,7 +886,7 @@
           <p:cNvPr id="5" name="Footer Placeholder 4">
             <a:extLst>
               <a:ext uri="{FF2B5EF4-FFF2-40B4-BE49-F238E27FC236}">
-                <a16:creationId xmlns="" xmlns:a16="http://schemas.microsoft.com/office/drawing/2014/main" id="{349CD732-2DD1-42BE-8480-5C6507018294}"/>
+                <a16:creationId xmlns:a16="http://schemas.microsoft.com/office/drawing/2014/main" xmlns="" id="{349CD732-2DD1-42BE-8480-5C6507018294}"/>
               </a:ext>
             </a:extLst>
           </p:cNvPr>
@@ -911,7 +911,7 @@
           <p:cNvPr id="6" name="Slide Number Placeholder 5">
             <a:extLst>
               <a:ext uri="{FF2B5EF4-FFF2-40B4-BE49-F238E27FC236}">
-                <a16:creationId xmlns="" xmlns:a16="http://schemas.microsoft.com/office/drawing/2014/main" id="{574C27E0-F36A-4438-9402-C2CB0377D92D}"/>
+                <a16:creationId xmlns:a16="http://schemas.microsoft.com/office/drawing/2014/main" xmlns="" id="{574C27E0-F36A-4438-9402-C2CB0377D92D}"/>
               </a:ext>
             </a:extLst>
           </p:cNvPr>
@@ -970,7 +970,7 @@
           <p:cNvPr id="2" name="Title 1">
             <a:extLst>
               <a:ext uri="{FF2B5EF4-FFF2-40B4-BE49-F238E27FC236}">
-                <a16:creationId xmlns="" xmlns:a16="http://schemas.microsoft.com/office/drawing/2014/main" id="{80A42FFA-8A45-40F8-9C5C-9906971B38AB}"/>
+                <a16:creationId xmlns:a16="http://schemas.microsoft.com/office/drawing/2014/main" xmlns="" id="{80A42FFA-8A45-40F8-9C5C-9906971B38AB}"/>
               </a:ext>
             </a:extLst>
           </p:cNvPr>
@@ -1008,7 +1008,7 @@
           <p:cNvPr id="3" name="Text Placeholder 2">
             <a:extLst>
               <a:ext uri="{FF2B5EF4-FFF2-40B4-BE49-F238E27FC236}">
-                <a16:creationId xmlns="" xmlns:a16="http://schemas.microsoft.com/office/drawing/2014/main" id="{7D8879A7-8225-4473-B738-B780B6224EC5}"/>
+                <a16:creationId xmlns:a16="http://schemas.microsoft.com/office/drawing/2014/main" xmlns="" id="{7D8879A7-8225-4473-B738-B780B6224EC5}"/>
               </a:ext>
             </a:extLst>
           </p:cNvPr>
@@ -1133,7 +1133,7 @@
           <p:cNvPr id="4" name="Date Placeholder 3">
             <a:extLst>
               <a:ext uri="{FF2B5EF4-FFF2-40B4-BE49-F238E27FC236}">
-                <a16:creationId xmlns="" xmlns:a16="http://schemas.microsoft.com/office/drawing/2014/main" id="{6CF7978C-FE65-4091-9152-E33029C12AEA}"/>
+                <a16:creationId xmlns:a16="http://schemas.microsoft.com/office/drawing/2014/main" xmlns="" id="{6CF7978C-FE65-4091-9152-E33029C12AEA}"/>
               </a:ext>
             </a:extLst>
           </p:cNvPr>
@@ -1162,7 +1162,7 @@
           <p:cNvPr id="5" name="Footer Placeholder 4">
             <a:extLst>
               <a:ext uri="{FF2B5EF4-FFF2-40B4-BE49-F238E27FC236}">
-                <a16:creationId xmlns="" xmlns:a16="http://schemas.microsoft.com/office/drawing/2014/main" id="{B344C9CC-480F-4DCB-AC70-D7A4CCA0B8B7}"/>
+                <a16:creationId xmlns:a16="http://schemas.microsoft.com/office/drawing/2014/main" xmlns="" id="{B344C9CC-480F-4DCB-AC70-D7A4CCA0B8B7}"/>
               </a:ext>
             </a:extLst>
           </p:cNvPr>
@@ -1187,7 +1187,7 @@
           <p:cNvPr id="6" name="Slide Number Placeholder 5">
             <a:extLst>
               <a:ext uri="{FF2B5EF4-FFF2-40B4-BE49-F238E27FC236}">
-                <a16:creationId xmlns="" xmlns:a16="http://schemas.microsoft.com/office/drawing/2014/main" id="{8F5A07EC-843A-4ED9-8F1C-AD703CA36D58}"/>
+                <a16:creationId xmlns:a16="http://schemas.microsoft.com/office/drawing/2014/main" xmlns="" id="{8F5A07EC-843A-4ED9-8F1C-AD703CA36D58}"/>
               </a:ext>
             </a:extLst>
           </p:cNvPr>
@@ -1246,7 +1246,7 @@
           <p:cNvPr id="2" name="Title 1">
             <a:extLst>
               <a:ext uri="{FF2B5EF4-FFF2-40B4-BE49-F238E27FC236}">
-                <a16:creationId xmlns="" xmlns:a16="http://schemas.microsoft.com/office/drawing/2014/main" id="{056EE2DA-07D9-4774-A8CA-0CA247F8C72A}"/>
+                <a16:creationId xmlns:a16="http://schemas.microsoft.com/office/drawing/2014/main" xmlns="" id="{056EE2DA-07D9-4774-A8CA-0CA247F8C72A}"/>
               </a:ext>
             </a:extLst>
           </p:cNvPr>
@@ -1275,7 +1275,7 @@
           <p:cNvPr id="3" name="Content Placeholder 2">
             <a:extLst>
               <a:ext uri="{FF2B5EF4-FFF2-40B4-BE49-F238E27FC236}">
-                <a16:creationId xmlns="" xmlns:a16="http://schemas.microsoft.com/office/drawing/2014/main" id="{3CF93A59-4E25-4FFA-8796-AA06EF3E5C3E}"/>
+                <a16:creationId xmlns:a16="http://schemas.microsoft.com/office/drawing/2014/main" xmlns="" id="{3CF93A59-4E25-4FFA-8796-AA06EF3E5C3E}"/>
               </a:ext>
             </a:extLst>
           </p:cNvPr>
@@ -1338,7 +1338,7 @@
           <p:cNvPr id="4" name="Content Placeholder 3">
             <a:extLst>
               <a:ext uri="{FF2B5EF4-FFF2-40B4-BE49-F238E27FC236}">
-                <a16:creationId xmlns="" xmlns:a16="http://schemas.microsoft.com/office/drawing/2014/main" id="{81373B10-E346-4893-AFEE-65E014405E2D}"/>
+                <a16:creationId xmlns:a16="http://schemas.microsoft.com/office/drawing/2014/main" xmlns="" id="{81373B10-E346-4893-AFEE-65E014405E2D}"/>
               </a:ext>
             </a:extLst>
           </p:cNvPr>
@@ -1401,7 +1401,7 @@
           <p:cNvPr id="5" name="Date Placeholder 4">
             <a:extLst>
               <a:ext uri="{FF2B5EF4-FFF2-40B4-BE49-F238E27FC236}">
-                <a16:creationId xmlns="" xmlns:a16="http://schemas.microsoft.com/office/drawing/2014/main" id="{D9C411A1-6D64-4C63-A758-5D2FEE677F45}"/>
+                <a16:creationId xmlns:a16="http://schemas.microsoft.com/office/drawing/2014/main" xmlns="" id="{D9C411A1-6D64-4C63-A758-5D2FEE677F45}"/>
               </a:ext>
             </a:extLst>
           </p:cNvPr>
@@ -1430,7 +1430,7 @@
           <p:cNvPr id="6" name="Footer Placeholder 5">
             <a:extLst>
               <a:ext uri="{FF2B5EF4-FFF2-40B4-BE49-F238E27FC236}">
-                <a16:creationId xmlns="" xmlns:a16="http://schemas.microsoft.com/office/drawing/2014/main" id="{8D9C2E46-644C-4155-A697-764A7A0AB1F4}"/>
+                <a16:creationId xmlns:a16="http://schemas.microsoft.com/office/drawing/2014/main" xmlns="" id="{8D9C2E46-644C-4155-A697-764A7A0AB1F4}"/>
               </a:ext>
             </a:extLst>
           </p:cNvPr>
@@ -1455,7 +1455,7 @@
           <p:cNvPr id="7" name="Slide Number Placeholder 6">
             <a:extLst>
               <a:ext uri="{FF2B5EF4-FFF2-40B4-BE49-F238E27FC236}">
-                <a16:creationId xmlns="" xmlns:a16="http://schemas.microsoft.com/office/drawing/2014/main" id="{6192DEDD-6479-45E4-B1F5-6EDD41BBB103}"/>
+                <a16:creationId xmlns:a16="http://schemas.microsoft.com/office/drawing/2014/main" xmlns="" id="{6192DEDD-6479-45E4-B1F5-6EDD41BBB103}"/>
               </a:ext>
             </a:extLst>
           </p:cNvPr>
@@ -1514,7 +1514,7 @@
           <p:cNvPr id="2" name="Title 1">
             <a:extLst>
               <a:ext uri="{FF2B5EF4-FFF2-40B4-BE49-F238E27FC236}">
-                <a16:creationId xmlns="" xmlns:a16="http://schemas.microsoft.com/office/drawing/2014/main" id="{DC0ED888-63EF-4CC0-8500-9C8DB672FEC2}"/>
+                <a16:creationId xmlns:a16="http://schemas.microsoft.com/office/drawing/2014/main" xmlns="" id="{DC0ED888-63EF-4CC0-8500-9C8DB672FEC2}"/>
               </a:ext>
             </a:extLst>
           </p:cNvPr>
@@ -1548,7 +1548,7 @@
           <p:cNvPr id="3" name="Text Placeholder 2">
             <a:extLst>
               <a:ext uri="{FF2B5EF4-FFF2-40B4-BE49-F238E27FC236}">
-                <a16:creationId xmlns="" xmlns:a16="http://schemas.microsoft.com/office/drawing/2014/main" id="{3C33BC1E-FB79-4906-A967-9C7046C6D272}"/>
+                <a16:creationId xmlns:a16="http://schemas.microsoft.com/office/drawing/2014/main" xmlns="" id="{3C33BC1E-FB79-4906-A967-9C7046C6D272}"/>
               </a:ext>
             </a:extLst>
           </p:cNvPr>
@@ -1619,7 +1619,7 @@
           <p:cNvPr id="4" name="Content Placeholder 3">
             <a:extLst>
               <a:ext uri="{FF2B5EF4-FFF2-40B4-BE49-F238E27FC236}">
-                <a16:creationId xmlns="" xmlns:a16="http://schemas.microsoft.com/office/drawing/2014/main" id="{697A4EC6-1C42-4BA4-8108-32579276C17B}"/>
+                <a16:creationId xmlns:a16="http://schemas.microsoft.com/office/drawing/2014/main" xmlns="" id="{697A4EC6-1C42-4BA4-8108-32579276C17B}"/>
               </a:ext>
             </a:extLst>
           </p:cNvPr>
@@ -1682,7 +1682,7 @@
           <p:cNvPr id="5" name="Text Placeholder 4">
             <a:extLst>
               <a:ext uri="{FF2B5EF4-FFF2-40B4-BE49-F238E27FC236}">
-                <a16:creationId xmlns="" xmlns:a16="http://schemas.microsoft.com/office/drawing/2014/main" id="{8A2CA209-B9F5-4E1E-B302-74CC2D4CFDFB}"/>
+                <a16:creationId xmlns:a16="http://schemas.microsoft.com/office/drawing/2014/main" xmlns="" id="{8A2CA209-B9F5-4E1E-B302-74CC2D4CFDFB}"/>
               </a:ext>
             </a:extLst>
           </p:cNvPr>
@@ -1753,7 +1753,7 @@
           <p:cNvPr id="6" name="Content Placeholder 5">
             <a:extLst>
               <a:ext uri="{FF2B5EF4-FFF2-40B4-BE49-F238E27FC236}">
-                <a16:creationId xmlns="" xmlns:a16="http://schemas.microsoft.com/office/drawing/2014/main" id="{0E6E876D-DC4D-40EE-BA38-CD01089602CF}"/>
+                <a16:creationId xmlns:a16="http://schemas.microsoft.com/office/drawing/2014/main" xmlns="" id="{0E6E876D-DC4D-40EE-BA38-CD01089602CF}"/>
               </a:ext>
             </a:extLst>
           </p:cNvPr>
@@ -1816,7 +1816,7 @@
           <p:cNvPr id="7" name="Date Placeholder 6">
             <a:extLst>
               <a:ext uri="{FF2B5EF4-FFF2-40B4-BE49-F238E27FC236}">
-                <a16:creationId xmlns="" xmlns:a16="http://schemas.microsoft.com/office/drawing/2014/main" id="{F24E1D97-8B3C-41A1-B0BA-BA833AD8BC7C}"/>
+                <a16:creationId xmlns:a16="http://schemas.microsoft.com/office/drawing/2014/main" xmlns="" id="{F24E1D97-8B3C-41A1-B0BA-BA833AD8BC7C}"/>
               </a:ext>
             </a:extLst>
           </p:cNvPr>
@@ -1845,7 +1845,7 @@
           <p:cNvPr id="8" name="Footer Placeholder 7">
             <a:extLst>
               <a:ext uri="{FF2B5EF4-FFF2-40B4-BE49-F238E27FC236}">
-                <a16:creationId xmlns="" xmlns:a16="http://schemas.microsoft.com/office/drawing/2014/main" id="{FC358D8F-B7DA-4DCE-AC8F-706450EEC0DC}"/>
+                <a16:creationId xmlns:a16="http://schemas.microsoft.com/office/drawing/2014/main" xmlns="" id="{FC358D8F-B7DA-4DCE-AC8F-706450EEC0DC}"/>
               </a:ext>
             </a:extLst>
           </p:cNvPr>
@@ -1870,7 +1870,7 @@
           <p:cNvPr id="9" name="Slide Number Placeholder 8">
             <a:extLst>
               <a:ext uri="{FF2B5EF4-FFF2-40B4-BE49-F238E27FC236}">
-                <a16:creationId xmlns="" xmlns:a16="http://schemas.microsoft.com/office/drawing/2014/main" id="{40CE354E-2C73-4B6F-8AEB-14D1378A77E1}"/>
+                <a16:creationId xmlns:a16="http://schemas.microsoft.com/office/drawing/2014/main" xmlns="" id="{40CE354E-2C73-4B6F-8AEB-14D1378A77E1}"/>
               </a:ext>
             </a:extLst>
           </p:cNvPr>
@@ -1929,7 +1929,7 @@
           <p:cNvPr id="2" name="Title 1">
             <a:extLst>
               <a:ext uri="{FF2B5EF4-FFF2-40B4-BE49-F238E27FC236}">
-                <a16:creationId xmlns="" xmlns:a16="http://schemas.microsoft.com/office/drawing/2014/main" id="{17D9D381-288C-43FB-86C2-AAA4FCFD43FD}"/>
+                <a16:creationId xmlns:a16="http://schemas.microsoft.com/office/drawing/2014/main" xmlns="" id="{17D9D381-288C-43FB-86C2-AAA4FCFD43FD}"/>
               </a:ext>
             </a:extLst>
           </p:cNvPr>
@@ -1958,7 +1958,7 @@
           <p:cNvPr id="3" name="Date Placeholder 2">
             <a:extLst>
               <a:ext uri="{FF2B5EF4-FFF2-40B4-BE49-F238E27FC236}">
-                <a16:creationId xmlns="" xmlns:a16="http://schemas.microsoft.com/office/drawing/2014/main" id="{A85D75E5-4830-4F75-8132-91122609F925}"/>
+                <a16:creationId xmlns:a16="http://schemas.microsoft.com/office/drawing/2014/main" xmlns="" id="{A85D75E5-4830-4F75-8132-91122609F925}"/>
               </a:ext>
             </a:extLst>
           </p:cNvPr>
@@ -1987,7 +1987,7 @@
           <p:cNvPr id="4" name="Footer Placeholder 3">
             <a:extLst>
               <a:ext uri="{FF2B5EF4-FFF2-40B4-BE49-F238E27FC236}">
-                <a16:creationId xmlns="" xmlns:a16="http://schemas.microsoft.com/office/drawing/2014/main" id="{0C14A42C-834F-43EA-8053-84D5A665CEE7}"/>
+                <a16:creationId xmlns:a16="http://schemas.microsoft.com/office/drawing/2014/main" xmlns="" id="{0C14A42C-834F-43EA-8053-84D5A665CEE7}"/>
               </a:ext>
             </a:extLst>
           </p:cNvPr>
@@ -2012,7 +2012,7 @@
           <p:cNvPr id="5" name="Slide Number Placeholder 4">
             <a:extLst>
               <a:ext uri="{FF2B5EF4-FFF2-40B4-BE49-F238E27FC236}">
-                <a16:creationId xmlns="" xmlns:a16="http://schemas.microsoft.com/office/drawing/2014/main" id="{38C1E789-CDA9-48FF-A7BA-F21E31600226}"/>
+                <a16:creationId xmlns:a16="http://schemas.microsoft.com/office/drawing/2014/main" xmlns="" id="{38C1E789-CDA9-48FF-A7BA-F21E31600226}"/>
               </a:ext>
             </a:extLst>
           </p:cNvPr>
@@ -2071,7 +2071,7 @@
           <p:cNvPr id="2" name="Date Placeholder 1">
             <a:extLst>
               <a:ext uri="{FF2B5EF4-FFF2-40B4-BE49-F238E27FC236}">
-                <a16:creationId xmlns="" xmlns:a16="http://schemas.microsoft.com/office/drawing/2014/main" id="{21A40ECD-0ABD-4F35-B481-512A01FC643D}"/>
+                <a16:creationId xmlns:a16="http://schemas.microsoft.com/office/drawing/2014/main" xmlns="" id="{21A40ECD-0ABD-4F35-B481-512A01FC643D}"/>
               </a:ext>
             </a:extLst>
           </p:cNvPr>
@@ -2100,7 +2100,7 @@
           <p:cNvPr id="3" name="Footer Placeholder 2">
             <a:extLst>
               <a:ext uri="{FF2B5EF4-FFF2-40B4-BE49-F238E27FC236}">
-                <a16:creationId xmlns="" xmlns:a16="http://schemas.microsoft.com/office/drawing/2014/main" id="{D44B8F11-A412-4FA6-9070-B9C742F699F3}"/>
+                <a16:creationId xmlns:a16="http://schemas.microsoft.com/office/drawing/2014/main" xmlns="" id="{D44B8F11-A412-4FA6-9070-B9C742F699F3}"/>
               </a:ext>
             </a:extLst>
           </p:cNvPr>
@@ -2125,7 +2125,7 @@
           <p:cNvPr id="4" name="Slide Number Placeholder 3">
             <a:extLst>
               <a:ext uri="{FF2B5EF4-FFF2-40B4-BE49-F238E27FC236}">
-                <a16:creationId xmlns="" xmlns:a16="http://schemas.microsoft.com/office/drawing/2014/main" id="{E3EA086A-DA0B-4378-A128-F213644ECB0C}"/>
+                <a16:creationId xmlns:a16="http://schemas.microsoft.com/office/drawing/2014/main" xmlns="" id="{E3EA086A-DA0B-4378-A128-F213644ECB0C}"/>
               </a:ext>
             </a:extLst>
           </p:cNvPr>
@@ -2184,7 +2184,7 @@
           <p:cNvPr id="2" name="Title 1">
             <a:extLst>
               <a:ext uri="{FF2B5EF4-FFF2-40B4-BE49-F238E27FC236}">
-                <a16:creationId xmlns="" xmlns:a16="http://schemas.microsoft.com/office/drawing/2014/main" id="{765D165A-D423-4E89-A075-D59A9FB59792}"/>
+                <a16:creationId xmlns:a16="http://schemas.microsoft.com/office/drawing/2014/main" xmlns="" id="{765D165A-D423-4E89-A075-D59A9FB59792}"/>
               </a:ext>
             </a:extLst>
           </p:cNvPr>
@@ -2222,7 +2222,7 @@
           <p:cNvPr id="3" name="Content Placeholder 2">
             <a:extLst>
               <a:ext uri="{FF2B5EF4-FFF2-40B4-BE49-F238E27FC236}">
-                <a16:creationId xmlns="" xmlns:a16="http://schemas.microsoft.com/office/drawing/2014/main" id="{77C2A5CC-2876-49CA-993D-F4F73FC9D2B0}"/>
+                <a16:creationId xmlns:a16="http://schemas.microsoft.com/office/drawing/2014/main" xmlns="" id="{77C2A5CC-2876-49CA-993D-F4F73FC9D2B0}"/>
               </a:ext>
             </a:extLst>
           </p:cNvPr>
@@ -2313,7 +2313,7 @@
           <p:cNvPr id="4" name="Text Placeholder 3">
             <a:extLst>
               <a:ext uri="{FF2B5EF4-FFF2-40B4-BE49-F238E27FC236}">
-                <a16:creationId xmlns="" xmlns:a16="http://schemas.microsoft.com/office/drawing/2014/main" id="{7B4DE2E8-CCF6-4E88-A858-05A04CD0D736}"/>
+                <a16:creationId xmlns:a16="http://schemas.microsoft.com/office/drawing/2014/main" xmlns="" id="{7B4DE2E8-CCF6-4E88-A858-05A04CD0D736}"/>
               </a:ext>
             </a:extLst>
           </p:cNvPr>
@@ -2384,7 +2384,7 @@
           <p:cNvPr id="5" name="Date Placeholder 4">
             <a:extLst>
               <a:ext uri="{FF2B5EF4-FFF2-40B4-BE49-F238E27FC236}">
-                <a16:creationId xmlns="" xmlns:a16="http://schemas.microsoft.com/office/drawing/2014/main" id="{CAEBEC1E-DE48-4B55-A846-F8248E381145}"/>
+                <a16:creationId xmlns:a16="http://schemas.microsoft.com/office/drawing/2014/main" xmlns="" id="{CAEBEC1E-DE48-4B55-A846-F8248E381145}"/>
               </a:ext>
             </a:extLst>
           </p:cNvPr>
@@ -2413,7 +2413,7 @@
           <p:cNvPr id="6" name="Footer Placeholder 5">
             <a:extLst>
               <a:ext uri="{FF2B5EF4-FFF2-40B4-BE49-F238E27FC236}">
-                <a16:creationId xmlns="" xmlns:a16="http://schemas.microsoft.com/office/drawing/2014/main" id="{945A6E8B-6BC2-49E9-B4E5-DAD3F7A1A1BF}"/>
+                <a16:creationId xmlns:a16="http://schemas.microsoft.com/office/drawing/2014/main" xmlns="" id="{945A6E8B-6BC2-49E9-B4E5-DAD3F7A1A1BF}"/>
               </a:ext>
             </a:extLst>
           </p:cNvPr>
@@ -2438,7 +2438,7 @@
           <p:cNvPr id="7" name="Slide Number Placeholder 6">
             <a:extLst>
               <a:ext uri="{FF2B5EF4-FFF2-40B4-BE49-F238E27FC236}">
-                <a16:creationId xmlns="" xmlns:a16="http://schemas.microsoft.com/office/drawing/2014/main" id="{E5CF739B-EDF0-43CE-A87E-C49F040C85A5}"/>
+                <a16:creationId xmlns:a16="http://schemas.microsoft.com/office/drawing/2014/main" xmlns="" id="{E5CF739B-EDF0-43CE-A87E-C49F040C85A5}"/>
               </a:ext>
             </a:extLst>
           </p:cNvPr>
@@ -2497,7 +2497,7 @@
           <p:cNvPr id="2" name="Title 1">
             <a:extLst>
               <a:ext uri="{FF2B5EF4-FFF2-40B4-BE49-F238E27FC236}">
-                <a16:creationId xmlns="" xmlns:a16="http://schemas.microsoft.com/office/drawing/2014/main" id="{0091F49F-E849-4834-84DB-61CF2F2652D4}"/>
+                <a16:creationId xmlns:a16="http://schemas.microsoft.com/office/drawing/2014/main" xmlns="" id="{0091F49F-E849-4834-84DB-61CF2F2652D4}"/>
               </a:ext>
             </a:extLst>
           </p:cNvPr>
@@ -2535,7 +2535,7 @@
           <p:cNvPr id="3" name="Picture Placeholder 2">
             <a:extLst>
               <a:ext uri="{FF2B5EF4-FFF2-40B4-BE49-F238E27FC236}">
-                <a16:creationId xmlns="" xmlns:a16="http://schemas.microsoft.com/office/drawing/2014/main" id="{631D62A9-3420-4F1C-9EB9-09EF85106E78}"/>
+                <a16:creationId xmlns:a16="http://schemas.microsoft.com/office/drawing/2014/main" xmlns="" id="{631D62A9-3420-4F1C-9EB9-09EF85106E78}"/>
               </a:ext>
             </a:extLst>
           </p:cNvPr>
@@ -2602,7 +2602,7 @@
           <p:cNvPr id="4" name="Text Placeholder 3">
             <a:extLst>
               <a:ext uri="{FF2B5EF4-FFF2-40B4-BE49-F238E27FC236}">
-                <a16:creationId xmlns="" xmlns:a16="http://schemas.microsoft.com/office/drawing/2014/main" id="{E450EC8D-D7F4-45FC-AD8C-2E198A32CCA2}"/>
+                <a16:creationId xmlns:a16="http://schemas.microsoft.com/office/drawing/2014/main" xmlns="" id="{E450EC8D-D7F4-45FC-AD8C-2E198A32CCA2}"/>
               </a:ext>
             </a:extLst>
           </p:cNvPr>
@@ -2673,7 +2673,7 @@
           <p:cNvPr id="5" name="Date Placeholder 4">
             <a:extLst>
               <a:ext uri="{FF2B5EF4-FFF2-40B4-BE49-F238E27FC236}">
-                <a16:creationId xmlns="" xmlns:a16="http://schemas.microsoft.com/office/drawing/2014/main" id="{7A73D668-ABF4-41FE-958C-542EEDC5F6CC}"/>
+                <a16:creationId xmlns:a16="http://schemas.microsoft.com/office/drawing/2014/main" xmlns="" id="{7A73D668-ABF4-41FE-958C-542EEDC5F6CC}"/>
               </a:ext>
             </a:extLst>
           </p:cNvPr>
@@ -2702,7 +2702,7 @@
           <p:cNvPr id="6" name="Footer Placeholder 5">
             <a:extLst>
               <a:ext uri="{FF2B5EF4-FFF2-40B4-BE49-F238E27FC236}">
-                <a16:creationId xmlns="" xmlns:a16="http://schemas.microsoft.com/office/drawing/2014/main" id="{F4A83B1C-93E7-4D32-9D1B-3F37403B1ACD}"/>
+                <a16:creationId xmlns:a16="http://schemas.microsoft.com/office/drawing/2014/main" xmlns="" id="{F4A83B1C-93E7-4D32-9D1B-3F37403B1ACD}"/>
               </a:ext>
             </a:extLst>
           </p:cNvPr>
@@ -2727,7 +2727,7 @@
           <p:cNvPr id="7" name="Slide Number Placeholder 6">
             <a:extLst>
               <a:ext uri="{FF2B5EF4-FFF2-40B4-BE49-F238E27FC236}">
-                <a16:creationId xmlns="" xmlns:a16="http://schemas.microsoft.com/office/drawing/2014/main" id="{C6AF73BE-F17B-487B-943B-28655BB51C92}"/>
+                <a16:creationId xmlns:a16="http://schemas.microsoft.com/office/drawing/2014/main" xmlns="" id="{C6AF73BE-F17B-487B-943B-28655BB51C92}"/>
               </a:ext>
             </a:extLst>
           </p:cNvPr>
@@ -2791,7 +2791,7 @@
           <p:cNvPr id="2" name="Title Placeholder 1">
             <a:extLst>
               <a:ext uri="{FF2B5EF4-FFF2-40B4-BE49-F238E27FC236}">
-                <a16:creationId xmlns="" xmlns:a16="http://schemas.microsoft.com/office/drawing/2014/main" id="{96F7127E-5F47-4B37-9FDB-695AB14D9551}"/>
+                <a16:creationId xmlns:a16="http://schemas.microsoft.com/office/drawing/2014/main" xmlns="" id="{96F7127E-5F47-4B37-9FDB-695AB14D9551}"/>
               </a:ext>
             </a:extLst>
           </p:cNvPr>
@@ -2830,7 +2830,7 @@
           <p:cNvPr id="3" name="Text Placeholder 2">
             <a:extLst>
               <a:ext uri="{FF2B5EF4-FFF2-40B4-BE49-F238E27FC236}">
-                <a16:creationId xmlns="" xmlns:a16="http://schemas.microsoft.com/office/drawing/2014/main" id="{3BD20F0F-B303-4EE3-AF17-E303EA90B1A3}"/>
+                <a16:creationId xmlns:a16="http://schemas.microsoft.com/office/drawing/2014/main" xmlns="" id="{3BD20F0F-B303-4EE3-AF17-E303EA90B1A3}"/>
               </a:ext>
             </a:extLst>
           </p:cNvPr>
@@ -2898,7 +2898,7 @@
           <p:cNvPr id="4" name="Date Placeholder 3">
             <a:extLst>
               <a:ext uri="{FF2B5EF4-FFF2-40B4-BE49-F238E27FC236}">
-                <a16:creationId xmlns="" xmlns:a16="http://schemas.microsoft.com/office/drawing/2014/main" id="{7927ADFB-0C7F-4333-A456-815FAB4B0315}"/>
+                <a16:creationId xmlns:a16="http://schemas.microsoft.com/office/drawing/2014/main" xmlns="" id="{7927ADFB-0C7F-4333-A456-815FAB4B0315}"/>
               </a:ext>
             </a:extLst>
           </p:cNvPr>
@@ -2945,7 +2945,7 @@
           <p:cNvPr id="5" name="Footer Placeholder 4">
             <a:extLst>
               <a:ext uri="{FF2B5EF4-FFF2-40B4-BE49-F238E27FC236}">
-                <a16:creationId xmlns="" xmlns:a16="http://schemas.microsoft.com/office/drawing/2014/main" id="{A1992B28-8397-4C93-A277-5EE43A537825}"/>
+                <a16:creationId xmlns:a16="http://schemas.microsoft.com/office/drawing/2014/main" xmlns="" id="{A1992B28-8397-4C93-A277-5EE43A537825}"/>
               </a:ext>
             </a:extLst>
           </p:cNvPr>
@@ -2988,7 +2988,7 @@
           <p:cNvPr id="6" name="Slide Number Placeholder 5">
             <a:extLst>
               <a:ext uri="{FF2B5EF4-FFF2-40B4-BE49-F238E27FC236}">
-                <a16:creationId xmlns="" xmlns:a16="http://schemas.microsoft.com/office/drawing/2014/main" id="{D7231209-A74B-4134-87D0-421AB81BBB47}"/>
+                <a16:creationId xmlns:a16="http://schemas.microsoft.com/office/drawing/2014/main" xmlns="" id="{D7231209-A74B-4134-87D0-421AB81BBB47}"/>
               </a:ext>
             </a:extLst>
           </p:cNvPr>
@@ -3356,7 +3356,7 @@
           <p:cNvPr id="6" name="Group 5">
             <a:extLst>
               <a:ext uri="{FF2B5EF4-FFF2-40B4-BE49-F238E27FC236}">
-                <a16:creationId xmlns="" xmlns:a16="http://schemas.microsoft.com/office/drawing/2014/main" id="{9DB0F398-707C-4BD3-877D-EFF30CB240B7}"/>
+                <a16:creationId xmlns:a16="http://schemas.microsoft.com/office/drawing/2014/main" xmlns="" id="{9DB0F398-707C-4BD3-877D-EFF30CB240B7}"/>
               </a:ext>
             </a:extLst>
           </p:cNvPr>
@@ -3376,7 +3376,7 @@
             <p:cNvPr id="4" name="Rectangle 3">
               <a:extLst>
                 <a:ext uri="{FF2B5EF4-FFF2-40B4-BE49-F238E27FC236}">
-                  <a16:creationId xmlns="" xmlns:a16="http://schemas.microsoft.com/office/drawing/2014/main" id="{8397A37E-D0A0-42F2-8FEF-D430C5DE70F2}"/>
+                  <a16:creationId xmlns:a16="http://schemas.microsoft.com/office/drawing/2014/main" xmlns="" id="{8397A37E-D0A0-42F2-8FEF-D430C5DE70F2}"/>
                 </a:ext>
               </a:extLst>
             </p:cNvPr>
@@ -3421,7 +3421,7 @@
             <p:cNvPr id="5" name="Rectangle 4">
               <a:extLst>
                 <a:ext uri="{FF2B5EF4-FFF2-40B4-BE49-F238E27FC236}">
-                  <a16:creationId xmlns="" xmlns:a16="http://schemas.microsoft.com/office/drawing/2014/main" id="{149527BF-446B-4568-AB3B-764AEBF46B19}"/>
+                  <a16:creationId xmlns:a16="http://schemas.microsoft.com/office/drawing/2014/main" xmlns="" id="{149527BF-446B-4568-AB3B-764AEBF46B19}"/>
                 </a:ext>
               </a:extLst>
             </p:cNvPr>
@@ -3476,7 +3476,7 @@
           <p:cNvPr id="10" name="TextBox 9">
             <a:extLst>
               <a:ext uri="{FF2B5EF4-FFF2-40B4-BE49-F238E27FC236}">
-                <a16:creationId xmlns="" xmlns:a16="http://schemas.microsoft.com/office/drawing/2014/main" id="{1E4F0408-5354-4F6A-B568-8265CE447C44}"/>
+                <a16:creationId xmlns:a16="http://schemas.microsoft.com/office/drawing/2014/main" xmlns="" id="{1E4F0408-5354-4F6A-B568-8265CE447C44}"/>
               </a:ext>
             </a:extLst>
           </p:cNvPr>
@@ -3517,7 +3517,7 @@
           <p:cNvPr id="11" name="TextBox 10">
             <a:extLst>
               <a:ext uri="{FF2B5EF4-FFF2-40B4-BE49-F238E27FC236}">
-                <a16:creationId xmlns="" xmlns:a16="http://schemas.microsoft.com/office/drawing/2014/main" id="{AEDA3BD1-2236-4D57-B42D-805C563D5E78}"/>
+                <a16:creationId xmlns:a16="http://schemas.microsoft.com/office/drawing/2014/main" xmlns="" id="{AEDA3BD1-2236-4D57-B42D-805C563D5E78}"/>
               </a:ext>
             </a:extLst>
           </p:cNvPr>
@@ -3558,7 +3558,7 @@
           <p:cNvPr id="12" name="Arrow: Right 11">
             <a:extLst>
               <a:ext uri="{FF2B5EF4-FFF2-40B4-BE49-F238E27FC236}">
-                <a16:creationId xmlns="" xmlns:a16="http://schemas.microsoft.com/office/drawing/2014/main" id="{734F3E12-61FE-40F7-AB2D-0CE0E4ABE0BB}"/>
+                <a16:creationId xmlns:a16="http://schemas.microsoft.com/office/drawing/2014/main" xmlns="" id="{734F3E12-61FE-40F7-AB2D-0CE0E4ABE0BB}"/>
               </a:ext>
             </a:extLst>
           </p:cNvPr>
@@ -3639,7 +3639,7 @@
           <p:cNvPr id="37" name="Group 36">
             <a:extLst>
               <a:ext uri="{FF2B5EF4-FFF2-40B4-BE49-F238E27FC236}">
-                <a16:creationId xmlns="" xmlns:a16="http://schemas.microsoft.com/office/drawing/2014/main" id="{ECA0B2FB-35CD-4C39-91C0-B773EB3ABAB7}"/>
+                <a16:creationId xmlns:a16="http://schemas.microsoft.com/office/drawing/2014/main" xmlns="" id="{ECA0B2FB-35CD-4C39-91C0-B773EB3ABAB7}"/>
               </a:ext>
             </a:extLst>
           </p:cNvPr>
@@ -3659,7 +3659,7 @@
             <p:cNvPr id="39" name="Rectangle 38">
               <a:extLst>
                 <a:ext uri="{FF2B5EF4-FFF2-40B4-BE49-F238E27FC236}">
-                  <a16:creationId xmlns="" xmlns:a16="http://schemas.microsoft.com/office/drawing/2014/main" id="{4885B58F-444B-4BAC-97BE-CBF09EAD34E3}"/>
+                  <a16:creationId xmlns:a16="http://schemas.microsoft.com/office/drawing/2014/main" xmlns="" id="{4885B58F-444B-4BAC-97BE-CBF09EAD34E3}"/>
                 </a:ext>
               </a:extLst>
             </p:cNvPr>
@@ -3704,7 +3704,7 @@
             <p:cNvPr id="40" name="Rectangle 39">
               <a:extLst>
                 <a:ext uri="{FF2B5EF4-FFF2-40B4-BE49-F238E27FC236}">
-                  <a16:creationId xmlns="" xmlns:a16="http://schemas.microsoft.com/office/drawing/2014/main" id="{EF5FADF8-7F91-421E-9CAB-3B5247D43AFC}"/>
+                  <a16:creationId xmlns:a16="http://schemas.microsoft.com/office/drawing/2014/main" xmlns="" id="{EF5FADF8-7F91-421E-9CAB-3B5247D43AFC}"/>
                 </a:ext>
               </a:extLst>
             </p:cNvPr>
@@ -3759,7 +3759,7 @@
           <p:cNvPr id="41" name="Group 40">
             <a:extLst>
               <a:ext uri="{FF2B5EF4-FFF2-40B4-BE49-F238E27FC236}">
-                <a16:creationId xmlns="" xmlns:a16="http://schemas.microsoft.com/office/drawing/2014/main" id="{293E3CC4-F95C-408B-A33C-A687746E7D68}"/>
+                <a16:creationId xmlns:a16="http://schemas.microsoft.com/office/drawing/2014/main" xmlns="" id="{293E3CC4-F95C-408B-A33C-A687746E7D68}"/>
               </a:ext>
             </a:extLst>
           </p:cNvPr>
@@ -3779,7 +3779,7 @@
             <p:cNvPr id="42" name="Rectangle 41">
               <a:extLst>
                 <a:ext uri="{FF2B5EF4-FFF2-40B4-BE49-F238E27FC236}">
-                  <a16:creationId xmlns="" xmlns:a16="http://schemas.microsoft.com/office/drawing/2014/main" id="{A362385B-F023-4464-A60D-B98A1DDD9E99}"/>
+                  <a16:creationId xmlns:a16="http://schemas.microsoft.com/office/drawing/2014/main" xmlns="" id="{A362385B-F023-4464-A60D-B98A1DDD9E99}"/>
                 </a:ext>
               </a:extLst>
             </p:cNvPr>
@@ -3824,7 +3824,7 @@
             <p:cNvPr id="43" name="Rectangle 42">
               <a:extLst>
                 <a:ext uri="{FF2B5EF4-FFF2-40B4-BE49-F238E27FC236}">
-                  <a16:creationId xmlns="" xmlns:a16="http://schemas.microsoft.com/office/drawing/2014/main" id="{A5E296C2-53B2-4D32-8DD6-70614AF135DC}"/>
+                  <a16:creationId xmlns:a16="http://schemas.microsoft.com/office/drawing/2014/main" xmlns="" id="{A5E296C2-53B2-4D32-8DD6-70614AF135DC}"/>
                 </a:ext>
               </a:extLst>
             </p:cNvPr>
@@ -3879,7 +3879,7 @@
           <p:cNvPr id="44" name="TextBox 43">
             <a:extLst>
               <a:ext uri="{FF2B5EF4-FFF2-40B4-BE49-F238E27FC236}">
-                <a16:creationId xmlns="" xmlns:a16="http://schemas.microsoft.com/office/drawing/2014/main" id="{BF18A34F-BB1F-44B5-9B2B-9290B2E65D50}"/>
+                <a16:creationId xmlns:a16="http://schemas.microsoft.com/office/drawing/2014/main" xmlns="" id="{BF18A34F-BB1F-44B5-9B2B-9290B2E65D50}"/>
               </a:ext>
             </a:extLst>
           </p:cNvPr>
@@ -3920,7 +3920,7 @@
           <p:cNvPr id="45" name="TextBox 44">
             <a:extLst>
               <a:ext uri="{FF2B5EF4-FFF2-40B4-BE49-F238E27FC236}">
-                <a16:creationId xmlns="" xmlns:a16="http://schemas.microsoft.com/office/drawing/2014/main" id="{3151A13B-9509-43FA-BFEB-1D9866A00B84}"/>
+                <a16:creationId xmlns:a16="http://schemas.microsoft.com/office/drawing/2014/main" xmlns="" id="{3151A13B-9509-43FA-BFEB-1D9866A00B84}"/>
               </a:ext>
             </a:extLst>
           </p:cNvPr>
@@ -3961,7 +3961,7 @@
           <p:cNvPr id="47" name="Group 46">
             <a:extLst>
               <a:ext uri="{FF2B5EF4-FFF2-40B4-BE49-F238E27FC236}">
-                <a16:creationId xmlns="" xmlns:a16="http://schemas.microsoft.com/office/drawing/2014/main" id="{B39366E1-88C2-477D-B97A-0B4B62CF63BA}"/>
+                <a16:creationId xmlns:a16="http://schemas.microsoft.com/office/drawing/2014/main" xmlns="" id="{B39366E1-88C2-477D-B97A-0B4B62CF63BA}"/>
               </a:ext>
             </a:extLst>
           </p:cNvPr>
@@ -3981,7 +3981,7 @@
             <p:cNvPr id="48" name="Rectangle 47">
               <a:extLst>
                 <a:ext uri="{FF2B5EF4-FFF2-40B4-BE49-F238E27FC236}">
-                  <a16:creationId xmlns="" xmlns:a16="http://schemas.microsoft.com/office/drawing/2014/main" id="{862365D7-654C-407F-B712-8ABE97B9B304}"/>
+                  <a16:creationId xmlns:a16="http://schemas.microsoft.com/office/drawing/2014/main" xmlns="" id="{862365D7-654C-407F-B712-8ABE97B9B304}"/>
                 </a:ext>
               </a:extLst>
             </p:cNvPr>
@@ -4026,7 +4026,7 @@
             <p:cNvPr id="49" name="Rectangle 48">
               <a:extLst>
                 <a:ext uri="{FF2B5EF4-FFF2-40B4-BE49-F238E27FC236}">
-                  <a16:creationId xmlns="" xmlns:a16="http://schemas.microsoft.com/office/drawing/2014/main" id="{0D79E594-5069-4C6C-9C04-080547BD0E0C}"/>
+                  <a16:creationId xmlns:a16="http://schemas.microsoft.com/office/drawing/2014/main" xmlns="" id="{0D79E594-5069-4C6C-9C04-080547BD0E0C}"/>
                 </a:ext>
               </a:extLst>
             </p:cNvPr>
@@ -4081,7 +4081,7 @@
           <p:cNvPr id="23" name="Table 22">
             <a:extLst>
               <a:ext uri="{FF2B5EF4-FFF2-40B4-BE49-F238E27FC236}">
-                <a16:creationId xmlns="" xmlns:a16="http://schemas.microsoft.com/office/drawing/2014/main" id="{4BBE8470-C1F5-4C8D-87CB-1D8EB5FFDF75}"/>
+                <a16:creationId xmlns:a16="http://schemas.microsoft.com/office/drawing/2014/main" xmlns="" id="{4BBE8470-C1F5-4C8D-87CB-1D8EB5FFDF75}"/>
               </a:ext>
             </a:extLst>
           </p:cNvPr>
@@ -4091,7 +4091,7 @@
           <p:nvPr>
             <p:extLst>
               <p:ext uri="{D42A27DB-BD31-4B8C-83A1-F6EECF244321}">
-                <p14:modId xmlns:p14="http://schemas.microsoft.com/office/powerpoint/2010/main" val="1100804108"/>
+                <p14:modId xmlns:p14="http://schemas.microsoft.com/office/powerpoint/2010/main" val="2137663925"/>
               </p:ext>
             </p:extLst>
           </p:nvPr>
@@ -4110,7 +4110,7 @@
                 <a:gridCol w="2954722">
                   <a:extLst>
                     <a:ext uri="{9D8B030D-6E8A-4147-A177-3AD203B41FA5}">
-                      <a16:colId xmlns="" xmlns:a16="http://schemas.microsoft.com/office/drawing/2014/main" val="4240773277"/>
+                      <a16:colId xmlns:a16="http://schemas.microsoft.com/office/drawing/2014/main" xmlns="" val="4240773277"/>
                     </a:ext>
                   </a:extLst>
                 </a:gridCol>
@@ -4148,7 +4148,7 @@
                 </a:tc>
                 <a:extLst>
                   <a:ext uri="{0D108BD9-81ED-4DB2-BD59-A6C34878D82A}">
-                    <a16:rowId xmlns="" xmlns:a16="http://schemas.microsoft.com/office/drawing/2014/main" val="2194462629"/>
+                    <a16:rowId xmlns:a16="http://schemas.microsoft.com/office/drawing/2014/main" xmlns="" val="2194462629"/>
                   </a:ext>
                 </a:extLst>
               </a:tr>
@@ -4215,7 +4215,7 @@
                 </a:tc>
                 <a:extLst>
                   <a:ext uri="{0D108BD9-81ED-4DB2-BD59-A6C34878D82A}">
-                    <a16:rowId xmlns="" xmlns:a16="http://schemas.microsoft.com/office/drawing/2014/main" val="368623409"/>
+                    <a16:rowId xmlns:a16="http://schemas.microsoft.com/office/drawing/2014/main" xmlns="" val="368623409"/>
                   </a:ext>
                 </a:extLst>
               </a:tr>
@@ -4228,7 +4228,7 @@
           <p:cNvPr id="22" name="Table 21">
             <a:extLst>
               <a:ext uri="{FF2B5EF4-FFF2-40B4-BE49-F238E27FC236}">
-                <a16:creationId xmlns="" xmlns:a16="http://schemas.microsoft.com/office/drawing/2014/main" id="{7808846A-2C8D-4319-890C-790D75E05656}"/>
+                <a16:creationId xmlns:a16="http://schemas.microsoft.com/office/drawing/2014/main" xmlns="" id="{7808846A-2C8D-4319-890C-790D75E05656}"/>
               </a:ext>
             </a:extLst>
           </p:cNvPr>
@@ -4238,7 +4238,7 @@
           <p:nvPr>
             <p:extLst>
               <p:ext uri="{D42A27DB-BD31-4B8C-83A1-F6EECF244321}">
-                <p14:modId xmlns:p14="http://schemas.microsoft.com/office/powerpoint/2010/main" val="443165405"/>
+                <p14:modId xmlns:p14="http://schemas.microsoft.com/office/powerpoint/2010/main" val="316173165"/>
               </p:ext>
             </p:extLst>
           </p:nvPr>
@@ -4257,7 +4257,7 @@
                 <a:gridCol w="2269482">
                   <a:extLst>
                     <a:ext uri="{9D8B030D-6E8A-4147-A177-3AD203B41FA5}">
-                      <a16:colId xmlns="" xmlns:a16="http://schemas.microsoft.com/office/drawing/2014/main" val="4240773277"/>
+                      <a16:colId xmlns:a16="http://schemas.microsoft.com/office/drawing/2014/main" xmlns="" val="4240773277"/>
                     </a:ext>
                   </a:extLst>
                 </a:gridCol>
@@ -4295,7 +4295,7 @@
                 </a:tc>
                 <a:extLst>
                   <a:ext uri="{0D108BD9-81ED-4DB2-BD59-A6C34878D82A}">
-                    <a16:rowId xmlns="" xmlns:a16="http://schemas.microsoft.com/office/drawing/2014/main" val="2194462629"/>
+                    <a16:rowId xmlns:a16="http://schemas.microsoft.com/office/drawing/2014/main" xmlns="" val="2194462629"/>
                   </a:ext>
                 </a:extLst>
               </a:tr>
@@ -4341,7 +4341,7 @@
                 </a:tc>
                 <a:extLst>
                   <a:ext uri="{0D108BD9-81ED-4DB2-BD59-A6C34878D82A}">
-                    <a16:rowId xmlns="" xmlns:a16="http://schemas.microsoft.com/office/drawing/2014/main" val="368623409"/>
+                    <a16:rowId xmlns:a16="http://schemas.microsoft.com/office/drawing/2014/main" xmlns="" val="368623409"/>
                   </a:ext>
                 </a:extLst>
               </a:tr>
@@ -4354,7 +4354,7 @@
           <p:cNvPr id="24" name="Table 23">
             <a:extLst>
               <a:ext uri="{FF2B5EF4-FFF2-40B4-BE49-F238E27FC236}">
-                <a16:creationId xmlns="" xmlns:a16="http://schemas.microsoft.com/office/drawing/2014/main" id="{A29E6ECE-DAEA-4872-A527-4228E1717963}"/>
+                <a16:creationId xmlns:a16="http://schemas.microsoft.com/office/drawing/2014/main" xmlns="" id="{A29E6ECE-DAEA-4872-A527-4228E1717963}"/>
               </a:ext>
             </a:extLst>
           </p:cNvPr>
@@ -4364,7 +4364,7 @@
           <p:nvPr>
             <p:extLst>
               <p:ext uri="{D42A27DB-BD31-4B8C-83A1-F6EECF244321}">
-                <p14:modId xmlns:p14="http://schemas.microsoft.com/office/powerpoint/2010/main" val="1741105137"/>
+                <p14:modId xmlns:p14="http://schemas.microsoft.com/office/powerpoint/2010/main" val="1047841477"/>
               </p:ext>
             </p:extLst>
           </p:nvPr>
@@ -4383,7 +4383,7 @@
                 <a:gridCol w="2269482">
                   <a:extLst>
                     <a:ext uri="{9D8B030D-6E8A-4147-A177-3AD203B41FA5}">
-                      <a16:colId xmlns="" xmlns:a16="http://schemas.microsoft.com/office/drawing/2014/main" val="4240773277"/>
+                      <a16:colId xmlns:a16="http://schemas.microsoft.com/office/drawing/2014/main" xmlns="" val="4240773277"/>
                     </a:ext>
                   </a:extLst>
                 </a:gridCol>
@@ -4421,7 +4421,7 @@
                 </a:tc>
                 <a:extLst>
                   <a:ext uri="{0D108BD9-81ED-4DB2-BD59-A6C34878D82A}">
-                    <a16:rowId xmlns="" xmlns:a16="http://schemas.microsoft.com/office/drawing/2014/main" val="2194462629"/>
+                    <a16:rowId xmlns:a16="http://schemas.microsoft.com/office/drawing/2014/main" xmlns="" val="2194462629"/>
                   </a:ext>
                 </a:extLst>
               </a:tr>
@@ -4467,7 +4467,7 @@
                 </a:tc>
                 <a:extLst>
                   <a:ext uri="{0D108BD9-81ED-4DB2-BD59-A6C34878D82A}">
-                    <a16:rowId xmlns="" xmlns:a16="http://schemas.microsoft.com/office/drawing/2014/main" val="368623409"/>
+                    <a16:rowId xmlns:a16="http://schemas.microsoft.com/office/drawing/2014/main" xmlns="" val="368623409"/>
                   </a:ext>
                 </a:extLst>
               </a:tr>

--- a/docs/diagrams/UndoRedoNewCommand1StackDiagram.pptx
+++ b/docs/diagrams/UndoRedoNewCommand1StackDiagram.pptx
@@ -265,9 +265,9 @@
           <a:p>
             <a:fld id="{03EC4E3E-8101-482F-A883-8B55DAFF7C07}" type="datetimeFigureOut">
               <a:rPr lang="en-SG" smtClean="0"/>
-              <a:t>30/7/2017</a:t>
+              <a:t>13/11/2017</a:t>
             </a:fld>
-            <a:endParaRPr lang="en-SG"/>
+            <a:endParaRPr lang="en-SG" dirty="0"/>
           </a:p>
         </p:txBody>
       </p:sp>
@@ -292,7 +292,7 @@
           <a:bodyPr/>
           <a:lstStyle/>
           <a:p>
-            <a:endParaRPr lang="en-SG"/>
+            <a:endParaRPr lang="en-SG" dirty="0"/>
           </a:p>
         </p:txBody>
       </p:sp>
@@ -321,7 +321,7 @@
               <a:rPr lang="en-SG" smtClean="0"/>
               <a:t>‹#›</a:t>
             </a:fld>
-            <a:endParaRPr lang="en-SG"/>
+            <a:endParaRPr lang="en-SG" dirty="0"/>
           </a:p>
         </p:txBody>
       </p:sp>
@@ -465,9 +465,9 @@
           <a:p>
             <a:fld id="{03EC4E3E-8101-482F-A883-8B55DAFF7C07}" type="datetimeFigureOut">
               <a:rPr lang="en-SG" smtClean="0"/>
-              <a:t>30/7/2017</a:t>
+              <a:t>13/11/2017</a:t>
             </a:fld>
-            <a:endParaRPr lang="en-SG"/>
+            <a:endParaRPr lang="en-SG" dirty="0"/>
           </a:p>
         </p:txBody>
       </p:sp>
@@ -492,7 +492,7 @@
           <a:bodyPr/>
           <a:lstStyle/>
           <a:p>
-            <a:endParaRPr lang="en-SG"/>
+            <a:endParaRPr lang="en-SG" dirty="0"/>
           </a:p>
         </p:txBody>
       </p:sp>
@@ -521,7 +521,7 @@
               <a:rPr lang="en-SG" smtClean="0"/>
               <a:t>‹#›</a:t>
             </a:fld>
-            <a:endParaRPr lang="en-SG"/>
+            <a:endParaRPr lang="en-SG" dirty="0"/>
           </a:p>
         </p:txBody>
       </p:sp>
@@ -675,9 +675,9 @@
           <a:p>
             <a:fld id="{03EC4E3E-8101-482F-A883-8B55DAFF7C07}" type="datetimeFigureOut">
               <a:rPr lang="en-SG" smtClean="0"/>
-              <a:t>30/7/2017</a:t>
+              <a:t>13/11/2017</a:t>
             </a:fld>
-            <a:endParaRPr lang="en-SG"/>
+            <a:endParaRPr lang="en-SG" dirty="0"/>
           </a:p>
         </p:txBody>
       </p:sp>
@@ -702,7 +702,7 @@
           <a:bodyPr/>
           <a:lstStyle/>
           <a:p>
-            <a:endParaRPr lang="en-SG"/>
+            <a:endParaRPr lang="en-SG" dirty="0"/>
           </a:p>
         </p:txBody>
       </p:sp>
@@ -731,7 +731,7 @@
               <a:rPr lang="en-SG" smtClean="0"/>
               <a:t>‹#›</a:t>
             </a:fld>
-            <a:endParaRPr lang="en-SG"/>
+            <a:endParaRPr lang="en-SG" dirty="0"/>
           </a:p>
         </p:txBody>
       </p:sp>
@@ -875,9 +875,9 @@
           <a:p>
             <a:fld id="{03EC4E3E-8101-482F-A883-8B55DAFF7C07}" type="datetimeFigureOut">
               <a:rPr lang="en-SG" smtClean="0"/>
-              <a:t>30/7/2017</a:t>
+              <a:t>13/11/2017</a:t>
             </a:fld>
-            <a:endParaRPr lang="en-SG"/>
+            <a:endParaRPr lang="en-SG" dirty="0"/>
           </a:p>
         </p:txBody>
       </p:sp>
@@ -902,7 +902,7 @@
           <a:bodyPr/>
           <a:lstStyle/>
           <a:p>
-            <a:endParaRPr lang="en-SG"/>
+            <a:endParaRPr lang="en-SG" dirty="0"/>
           </a:p>
         </p:txBody>
       </p:sp>
@@ -931,7 +931,7 @@
               <a:rPr lang="en-SG" smtClean="0"/>
               <a:t>‹#›</a:t>
             </a:fld>
-            <a:endParaRPr lang="en-SG"/>
+            <a:endParaRPr lang="en-SG" dirty="0"/>
           </a:p>
         </p:txBody>
       </p:sp>
@@ -1151,9 +1151,9 @@
           <a:p>
             <a:fld id="{03EC4E3E-8101-482F-A883-8B55DAFF7C07}" type="datetimeFigureOut">
               <a:rPr lang="en-SG" smtClean="0"/>
-              <a:t>30/7/2017</a:t>
+              <a:t>13/11/2017</a:t>
             </a:fld>
-            <a:endParaRPr lang="en-SG"/>
+            <a:endParaRPr lang="en-SG" dirty="0"/>
           </a:p>
         </p:txBody>
       </p:sp>
@@ -1178,7 +1178,7 @@
           <a:bodyPr/>
           <a:lstStyle/>
           <a:p>
-            <a:endParaRPr lang="en-SG"/>
+            <a:endParaRPr lang="en-SG" dirty="0"/>
           </a:p>
         </p:txBody>
       </p:sp>
@@ -1207,7 +1207,7 @@
               <a:rPr lang="en-SG" smtClean="0"/>
               <a:t>‹#›</a:t>
             </a:fld>
-            <a:endParaRPr lang="en-SG"/>
+            <a:endParaRPr lang="en-SG" dirty="0"/>
           </a:p>
         </p:txBody>
       </p:sp>
@@ -1419,9 +1419,9 @@
           <a:p>
             <a:fld id="{03EC4E3E-8101-482F-A883-8B55DAFF7C07}" type="datetimeFigureOut">
               <a:rPr lang="en-SG" smtClean="0"/>
-              <a:t>30/7/2017</a:t>
+              <a:t>13/11/2017</a:t>
             </a:fld>
-            <a:endParaRPr lang="en-SG"/>
+            <a:endParaRPr lang="en-SG" dirty="0"/>
           </a:p>
         </p:txBody>
       </p:sp>
@@ -1446,7 +1446,7 @@
           <a:bodyPr/>
           <a:lstStyle/>
           <a:p>
-            <a:endParaRPr lang="en-SG"/>
+            <a:endParaRPr lang="en-SG" dirty="0"/>
           </a:p>
         </p:txBody>
       </p:sp>
@@ -1475,7 +1475,7 @@
               <a:rPr lang="en-SG" smtClean="0"/>
               <a:t>‹#›</a:t>
             </a:fld>
-            <a:endParaRPr lang="en-SG"/>
+            <a:endParaRPr lang="en-SG" dirty="0"/>
           </a:p>
         </p:txBody>
       </p:sp>
@@ -1834,9 +1834,9 @@
           <a:p>
             <a:fld id="{03EC4E3E-8101-482F-A883-8B55DAFF7C07}" type="datetimeFigureOut">
               <a:rPr lang="en-SG" smtClean="0"/>
-              <a:t>30/7/2017</a:t>
+              <a:t>13/11/2017</a:t>
             </a:fld>
-            <a:endParaRPr lang="en-SG"/>
+            <a:endParaRPr lang="en-SG" dirty="0"/>
           </a:p>
         </p:txBody>
       </p:sp>
@@ -1861,7 +1861,7 @@
           <a:bodyPr/>
           <a:lstStyle/>
           <a:p>
-            <a:endParaRPr lang="en-SG"/>
+            <a:endParaRPr lang="en-SG" dirty="0"/>
           </a:p>
         </p:txBody>
       </p:sp>
@@ -1890,7 +1890,7 @@
               <a:rPr lang="en-SG" smtClean="0"/>
               <a:t>‹#›</a:t>
             </a:fld>
-            <a:endParaRPr lang="en-SG"/>
+            <a:endParaRPr lang="en-SG" dirty="0"/>
           </a:p>
         </p:txBody>
       </p:sp>
@@ -1976,9 +1976,9 @@
           <a:p>
             <a:fld id="{03EC4E3E-8101-482F-A883-8B55DAFF7C07}" type="datetimeFigureOut">
               <a:rPr lang="en-SG" smtClean="0"/>
-              <a:t>30/7/2017</a:t>
+              <a:t>13/11/2017</a:t>
             </a:fld>
-            <a:endParaRPr lang="en-SG"/>
+            <a:endParaRPr lang="en-SG" dirty="0"/>
           </a:p>
         </p:txBody>
       </p:sp>
@@ -2003,7 +2003,7 @@
           <a:bodyPr/>
           <a:lstStyle/>
           <a:p>
-            <a:endParaRPr lang="en-SG"/>
+            <a:endParaRPr lang="en-SG" dirty="0"/>
           </a:p>
         </p:txBody>
       </p:sp>
@@ -2032,7 +2032,7 @@
               <a:rPr lang="en-SG" smtClean="0"/>
               <a:t>‹#›</a:t>
             </a:fld>
-            <a:endParaRPr lang="en-SG"/>
+            <a:endParaRPr lang="en-SG" dirty="0"/>
           </a:p>
         </p:txBody>
       </p:sp>
@@ -2089,9 +2089,9 @@
           <a:p>
             <a:fld id="{03EC4E3E-8101-482F-A883-8B55DAFF7C07}" type="datetimeFigureOut">
               <a:rPr lang="en-SG" smtClean="0"/>
-              <a:t>30/7/2017</a:t>
+              <a:t>13/11/2017</a:t>
             </a:fld>
-            <a:endParaRPr lang="en-SG"/>
+            <a:endParaRPr lang="en-SG" dirty="0"/>
           </a:p>
         </p:txBody>
       </p:sp>
@@ -2116,7 +2116,7 @@
           <a:bodyPr/>
           <a:lstStyle/>
           <a:p>
-            <a:endParaRPr lang="en-SG"/>
+            <a:endParaRPr lang="en-SG" dirty="0"/>
           </a:p>
         </p:txBody>
       </p:sp>
@@ -2145,7 +2145,7 @@
               <a:rPr lang="en-SG" smtClean="0"/>
               <a:t>‹#›</a:t>
             </a:fld>
-            <a:endParaRPr lang="en-SG"/>
+            <a:endParaRPr lang="en-SG" dirty="0"/>
           </a:p>
         </p:txBody>
       </p:sp>
@@ -2402,9 +2402,9 @@
           <a:p>
             <a:fld id="{03EC4E3E-8101-482F-A883-8B55DAFF7C07}" type="datetimeFigureOut">
               <a:rPr lang="en-SG" smtClean="0"/>
-              <a:t>30/7/2017</a:t>
+              <a:t>13/11/2017</a:t>
             </a:fld>
-            <a:endParaRPr lang="en-SG"/>
+            <a:endParaRPr lang="en-SG" dirty="0"/>
           </a:p>
         </p:txBody>
       </p:sp>
@@ -2429,7 +2429,7 @@
           <a:bodyPr/>
           <a:lstStyle/>
           <a:p>
-            <a:endParaRPr lang="en-SG"/>
+            <a:endParaRPr lang="en-SG" dirty="0"/>
           </a:p>
         </p:txBody>
       </p:sp>
@@ -2458,7 +2458,7 @@
               <a:rPr lang="en-SG" smtClean="0"/>
               <a:t>‹#›</a:t>
             </a:fld>
-            <a:endParaRPr lang="en-SG"/>
+            <a:endParaRPr lang="en-SG" dirty="0"/>
           </a:p>
         </p:txBody>
       </p:sp>
@@ -2593,7 +2593,7 @@
             </a:lvl9pPr>
           </a:lstStyle>
           <a:p>
-            <a:endParaRPr lang="en-SG"/>
+            <a:endParaRPr lang="en-SG" dirty="0"/>
           </a:p>
         </p:txBody>
       </p:sp>
@@ -2691,9 +2691,9 @@
           <a:p>
             <a:fld id="{03EC4E3E-8101-482F-A883-8B55DAFF7C07}" type="datetimeFigureOut">
               <a:rPr lang="en-SG" smtClean="0"/>
-              <a:t>30/7/2017</a:t>
+              <a:t>13/11/2017</a:t>
             </a:fld>
-            <a:endParaRPr lang="en-SG"/>
+            <a:endParaRPr lang="en-SG" dirty="0"/>
           </a:p>
         </p:txBody>
       </p:sp>
@@ -2718,7 +2718,7 @@
           <a:bodyPr/>
           <a:lstStyle/>
           <a:p>
-            <a:endParaRPr lang="en-SG"/>
+            <a:endParaRPr lang="en-SG" dirty="0"/>
           </a:p>
         </p:txBody>
       </p:sp>
@@ -2747,7 +2747,7 @@
               <a:rPr lang="en-SG" smtClean="0"/>
               <a:t>‹#›</a:t>
             </a:fld>
-            <a:endParaRPr lang="en-SG"/>
+            <a:endParaRPr lang="en-SG" dirty="0"/>
           </a:p>
         </p:txBody>
       </p:sp>
@@ -2934,9 +2934,9 @@
           <a:p>
             <a:fld id="{03EC4E3E-8101-482F-A883-8B55DAFF7C07}" type="datetimeFigureOut">
               <a:rPr lang="en-SG" smtClean="0"/>
-              <a:t>30/7/2017</a:t>
+              <a:t>13/11/2017</a:t>
             </a:fld>
-            <a:endParaRPr lang="en-SG"/>
+            <a:endParaRPr lang="en-SG" dirty="0"/>
           </a:p>
         </p:txBody>
       </p:sp>
@@ -2979,7 +2979,7 @@
             </a:lvl1pPr>
           </a:lstStyle>
           <a:p>
-            <a:endParaRPr lang="en-SG"/>
+            <a:endParaRPr lang="en-SG" dirty="0"/>
           </a:p>
         </p:txBody>
       </p:sp>
@@ -3026,7 +3026,7 @@
               <a:rPr lang="en-SG" smtClean="0"/>
               <a:t>‹#›</a:t>
             </a:fld>
-            <a:endParaRPr lang="en-SG"/>
+            <a:endParaRPr lang="en-SG" dirty="0"/>
           </a:p>
         </p:txBody>
       </p:sp>
@@ -3412,7 +3412,7 @@
             <a:lstStyle/>
             <a:p>
               <a:pPr algn="ctr"/>
-              <a:endParaRPr lang="en-SG"/>
+              <a:endParaRPr lang="en-SG" dirty="0"/>
             </a:p>
           </p:txBody>
         </p:sp>
@@ -3466,7 +3466,7 @@
             <a:lstStyle/>
             <a:p>
               <a:pPr algn="ctr"/>
-              <a:endParaRPr lang="en-SG"/>
+              <a:endParaRPr lang="en-SG" dirty="0"/>
             </a:p>
           </p:txBody>
         </p:sp>
@@ -3501,14 +3501,11 @@
           <a:p>
             <a:pPr algn="ctr"/>
             <a:r>
-              <a:rPr lang="en-SG" dirty="0" err="1">
+              <a:rPr lang="en-SG" dirty="0">
                 <a:latin typeface="Consolas" panose="020B0609020204030204" pitchFamily="49" charset="0"/>
               </a:rPr>
               <a:t>undoStack</a:t>
             </a:r>
-            <a:endParaRPr lang="en-SG" dirty="0">
-              <a:latin typeface="Consolas" panose="020B0609020204030204" pitchFamily="49" charset="0"/>
-            </a:endParaRPr>
           </a:p>
         </p:txBody>
       </p:sp>
@@ -3542,14 +3539,11 @@
           <a:p>
             <a:pPr algn="ctr"/>
             <a:r>
-              <a:rPr lang="en-SG" dirty="0" err="1">
+              <a:rPr lang="en-SG" dirty="0">
                 <a:latin typeface="Consolas" panose="020B0609020204030204" pitchFamily="49" charset="0"/>
               </a:rPr>
               <a:t>redoStack</a:t>
             </a:r>
-            <a:endParaRPr lang="en-SG" dirty="0">
-              <a:latin typeface="Consolas" panose="020B0609020204030204" pitchFamily="49" charset="0"/>
-            </a:endParaRPr>
           </a:p>
         </p:txBody>
       </p:sp>
@@ -3665,7 +3659,7 @@
             <a:lstStyle/>
             <a:p>
               <a:pPr algn="ctr"/>
-              <a:endParaRPr lang="en-SG"/>
+              <a:endParaRPr lang="en-SG" dirty="0"/>
             </a:p>
           </p:txBody>
         </p:sp>
@@ -3719,7 +3713,7 @@
             <a:lstStyle/>
             <a:p>
               <a:pPr algn="ctr"/>
-              <a:endParaRPr lang="en-SG"/>
+              <a:endParaRPr lang="en-SG" dirty="0"/>
             </a:p>
           </p:txBody>
         </p:sp>
@@ -3785,7 +3779,7 @@
             <a:lstStyle/>
             <a:p>
               <a:pPr algn="ctr"/>
-              <a:endParaRPr lang="en-SG"/>
+              <a:endParaRPr lang="en-SG" dirty="0"/>
             </a:p>
           </p:txBody>
         </p:sp>
@@ -3839,7 +3833,7 @@
             <a:lstStyle/>
             <a:p>
               <a:pPr algn="ctr"/>
-              <a:endParaRPr lang="en-SG"/>
+              <a:endParaRPr lang="en-SG" dirty="0"/>
             </a:p>
           </p:txBody>
         </p:sp>
@@ -3874,14 +3868,11 @@
           <a:p>
             <a:pPr algn="ctr"/>
             <a:r>
-              <a:rPr lang="en-SG" dirty="0" err="1">
+              <a:rPr lang="en-SG" dirty="0">
                 <a:latin typeface="Consolas" panose="020B0609020204030204" pitchFamily="49" charset="0"/>
               </a:rPr>
               <a:t>undoStack</a:t>
             </a:r>
-            <a:endParaRPr lang="en-SG" dirty="0">
-              <a:latin typeface="Consolas" panose="020B0609020204030204" pitchFamily="49" charset="0"/>
-            </a:endParaRPr>
           </a:p>
         </p:txBody>
       </p:sp>
@@ -3915,14 +3906,11 @@
           <a:p>
             <a:pPr algn="ctr"/>
             <a:r>
-              <a:rPr lang="en-SG" dirty="0" err="1">
+              <a:rPr lang="en-SG" dirty="0">
                 <a:latin typeface="Consolas" panose="020B0609020204030204" pitchFamily="49" charset="0"/>
               </a:rPr>
               <a:t>redoStack</a:t>
             </a:r>
-            <a:endParaRPr lang="en-SG" dirty="0">
-              <a:latin typeface="Consolas" panose="020B0609020204030204" pitchFamily="49" charset="0"/>
-            </a:endParaRPr>
           </a:p>
         </p:txBody>
       </p:sp>
@@ -3987,7 +3975,7 @@
             <a:lstStyle/>
             <a:p>
               <a:pPr algn="ctr"/>
-              <a:endParaRPr lang="en-SG"/>
+              <a:endParaRPr lang="en-SG" dirty="0"/>
             </a:p>
           </p:txBody>
         </p:sp>
@@ -4041,7 +4029,7 @@
             <a:lstStyle/>
             <a:p>
               <a:pPr algn="ctr"/>
-              <a:endParaRPr lang="en-SG"/>
+              <a:endParaRPr lang="en-SG" dirty="0"/>
             </a:p>
           </p:txBody>
         </p:sp>
@@ -4061,7 +4049,7 @@
           <p:nvPr>
             <p:extLst>
               <p:ext uri="{D42A27DB-BD31-4B8C-83A1-F6EECF244321}">
-                <p14:modId xmlns:p14="http://schemas.microsoft.com/office/powerpoint/2010/main" val="4065727295"/>
+                <p14:modId xmlns:p14="http://schemas.microsoft.com/office/powerpoint/2010/main" val="2660463235"/>
               </p:ext>
             </p:extLst>
           </p:nvPr>
@@ -4093,13 +4081,8 @@
                     <a:p>
                       <a:r>
                         <a:rPr lang="en-SG" u="sng" dirty="0"/>
-                        <a:t>:</a:t>
+                        <a:t>:AddCommand</a:t>
                       </a:r>
-                      <a:r>
-                        <a:rPr lang="en-SG" u="sng" dirty="0" err="1"/>
-                        <a:t>AddCommand</a:t>
-                      </a:r>
-                      <a:endParaRPr lang="en-SG" u="sng" dirty="0"/>
                     </a:p>
                   </a:txBody>
                   <a:tcPr>
@@ -4129,22 +4112,14 @@
                     <a:lstStyle/>
                     <a:p>
                       <a:r>
-                        <a:rPr lang="en-SG" dirty="0" err="1"/>
-                        <a:t>toAdd</a:t>
-                      </a:r>
-                      <a:r>
                         <a:rPr lang="en-SG" dirty="0"/>
-                        <a:t> = “Name: David”</a:t>
+                        <a:t>toAdd = “Name: David”</a:t>
                       </a:r>
                     </a:p>
                     <a:p>
                       <a:r>
-                        <a:rPr lang="en-SG" dirty="0" err="1"/>
-                        <a:t>prevAddressBook</a:t>
-                      </a:r>
-                      <a:r>
                         <a:rPr lang="en-SG" dirty="0"/>
-                        <a:t> = s2</a:t>
+                        <a:t>person = $David</a:t>
                       </a:r>
                     </a:p>
                   </a:txBody>
@@ -4187,7 +4162,7 @@
           <p:nvPr>
             <p:extLst>
               <p:ext uri="{D42A27DB-BD31-4B8C-83A1-F6EECF244321}">
-                <p14:modId xmlns:p14="http://schemas.microsoft.com/office/powerpoint/2010/main" val="443165405"/>
+                <p14:modId xmlns:p14="http://schemas.microsoft.com/office/powerpoint/2010/main" val="4068023768"/>
               </p:ext>
             </p:extLst>
           </p:nvPr>
@@ -4219,13 +4194,8 @@
                     <a:p>
                       <a:r>
                         <a:rPr lang="en-SG" u="sng" dirty="0"/>
-                        <a:t>:</a:t>
+                        <a:t>:DeleteCommand</a:t>
                       </a:r>
-                      <a:r>
-                        <a:rPr lang="en-SG" u="sng" dirty="0" err="1"/>
-                        <a:t>DeleteCommand</a:t>
-                      </a:r>
-                      <a:endParaRPr lang="en-SG" u="sng" dirty="0"/>
                     </a:p>
                   </a:txBody>
                   <a:tcPr>
@@ -4255,22 +4225,14 @@
                     <a:lstStyle/>
                     <a:p>
                       <a:r>
-                        <a:rPr lang="en-SG" dirty="0" err="1"/>
-                        <a:t>targetIndex</a:t>
-                      </a:r>
-                      <a:r>
                         <a:rPr lang="en-SG" dirty="0"/>
-                        <a:t> = 5</a:t>
+                        <a:t>targetIndex = 5</a:t>
                       </a:r>
                     </a:p>
                     <a:p>
                       <a:r>
-                        <a:rPr lang="en-SG" dirty="0" err="1"/>
-                        <a:t>prevAddressBook</a:t>
-                      </a:r>
-                      <a:r>
-                        <a:rPr lang="en-SG" dirty="0"/>
-                        <a:t> = s3</a:t>
+                        <a:rPr lang="en-SG" altLang="zh-CN" dirty="0"/>
+                        <a:t>personToDelete = $5</a:t>
                       </a:r>
                     </a:p>
                   </a:txBody>
@@ -4313,7 +4275,7 @@
           <p:nvPr>
             <p:extLst>
               <p:ext uri="{D42A27DB-BD31-4B8C-83A1-F6EECF244321}">
-                <p14:modId xmlns:p14="http://schemas.microsoft.com/office/powerpoint/2010/main" val="1741105137"/>
+                <p14:modId xmlns:p14="http://schemas.microsoft.com/office/powerpoint/2010/main" val="2206455077"/>
               </p:ext>
             </p:extLst>
           </p:nvPr>
@@ -4345,13 +4307,8 @@
                     <a:p>
                       <a:r>
                         <a:rPr lang="en-SG" u="sng" dirty="0"/>
-                        <a:t>:</a:t>
+                        <a:t>:DeleteCommand</a:t>
                       </a:r>
-                      <a:r>
-                        <a:rPr lang="en-SG" u="sng" dirty="0" err="1"/>
-                        <a:t>DeleteCommand</a:t>
-                      </a:r>
-                      <a:endParaRPr lang="en-SG" u="sng" dirty="0"/>
                     </a:p>
                   </a:txBody>
                   <a:tcPr>
@@ -4381,22 +4338,14 @@
                     <a:lstStyle/>
                     <a:p>
                       <a:r>
-                        <a:rPr lang="en-SG" dirty="0" err="1"/>
-                        <a:t>targetIndex</a:t>
-                      </a:r>
-                      <a:r>
                         <a:rPr lang="en-SG" dirty="0"/>
-                        <a:t> = 5</a:t>
+                        <a:t>targetIndex = 5</a:t>
                       </a:r>
                     </a:p>
                     <a:p>
                       <a:r>
-                        <a:rPr lang="en-SG" dirty="0" err="1"/>
-                        <a:t>prevAddressBook</a:t>
-                      </a:r>
-                      <a:r>
                         <a:rPr lang="en-SG" dirty="0"/>
-                        <a:t> = s3</a:t>
+                        <a:t>personToDelete = $5</a:t>
                       </a:r>
                     </a:p>
                   </a:txBody>
